--- a/Summary/20201014_RDM_HW_rotation_update.pptx
+++ b/Summary/20201014_RDM_HW_rotation_update.pptx
@@ -5,7 +5,7 @@
     <p:sldMasterId id="2147483648" r:id="rId1"/>
   </p:sldMasterIdLst>
   <p:notesMasterIdLst>
-    <p:notesMasterId r:id="rId10"/>
+    <p:notesMasterId r:id="rId13"/>
   </p:notesMasterIdLst>
   <p:sldIdLst>
     <p:sldId id="256" r:id="rId2"/>
@@ -13,9 +13,12 @@
     <p:sldId id="257" r:id="rId4"/>
     <p:sldId id="258" r:id="rId5"/>
     <p:sldId id="261" r:id="rId6"/>
-    <p:sldId id="266" r:id="rId7"/>
-    <p:sldId id="267" r:id="rId8"/>
-    <p:sldId id="268" r:id="rId9"/>
+    <p:sldId id="267" r:id="rId7"/>
+    <p:sldId id="269" r:id="rId8"/>
+    <p:sldId id="270" r:id="rId9"/>
+    <p:sldId id="271" r:id="rId10"/>
+    <p:sldId id="272" r:id="rId11"/>
+    <p:sldId id="268" r:id="rId12"/>
   </p:sldIdLst>
   <p:sldSz cx="12192000" cy="6858000"/>
   <p:notesSz cx="6858000" cy="9144000"/>
@@ -4093,6 +4096,734 @@
 </p:sld>
 </file>
 
+<file path=ppt/slides/slide10.xml><?xml version="1.0" encoding="utf-8"?>
+<p:sld xmlns:a="http://schemas.openxmlformats.org/drawingml/2006/main" xmlns:r="http://schemas.openxmlformats.org/officeDocument/2006/relationships" xmlns:p="http://schemas.openxmlformats.org/presentationml/2006/main">
+  <p:cSld>
+    <p:spTree>
+      <p:nvGrpSpPr>
+        <p:cNvPr id="1" name=""/>
+        <p:cNvGrpSpPr/>
+        <p:nvPr/>
+      </p:nvGrpSpPr>
+      <p:grpSpPr>
+        <a:xfrm>
+          <a:off x="0" y="0"/>
+          <a:ext cx="0" cy="0"/>
+          <a:chOff x="0" y="0"/>
+          <a:chExt cx="0" cy="0"/>
+        </a:xfrm>
+      </p:grpSpPr>
+      <p:sp>
+        <p:nvSpPr>
+          <p:cNvPr id="2" name="Title 1">
+            <a:extLst>
+              <a:ext uri="{FF2B5EF4-FFF2-40B4-BE49-F238E27FC236}">
+                <a16:creationId xmlns:a16="http://schemas.microsoft.com/office/drawing/2014/main" id="{75DEF2C1-984C-4FD8-8F85-6A3DF6B272CF}"/>
+              </a:ext>
+            </a:extLst>
+          </p:cNvPr>
+          <p:cNvSpPr>
+            <a:spLocks noGrp="1"/>
+          </p:cNvSpPr>
+          <p:nvPr>
+            <p:ph type="title"/>
+          </p:nvPr>
+        </p:nvSpPr>
+        <p:spPr/>
+        <p:txBody>
+          <a:bodyPr/>
+          <a:lstStyle/>
+          <a:p>
+            <a:r>
+              <a:rPr lang="en-US" dirty="0"/>
+              <a:t>Results </a:t>
+            </a:r>
+            <a:r>
+              <a:rPr lang="en-US"/>
+              <a:t>(additive)</a:t>
+            </a:r>
+            <a:endParaRPr lang="en-US" dirty="0"/>
+          </a:p>
+        </p:txBody>
+      </p:sp>
+      <p:graphicFrame>
+        <p:nvGraphicFramePr>
+          <p:cNvPr id="4" name="Table 4">
+            <a:extLst>
+              <a:ext uri="{FF2B5EF4-FFF2-40B4-BE49-F238E27FC236}">
+                <a16:creationId xmlns:a16="http://schemas.microsoft.com/office/drawing/2014/main" id="{1FC06213-A66F-4BB2-8A7F-8649DB13576C}"/>
+              </a:ext>
+            </a:extLst>
+          </p:cNvPr>
+          <p:cNvGraphicFramePr>
+            <a:graphicFrameLocks noGrp="1"/>
+          </p:cNvGraphicFramePr>
+          <p:nvPr>
+            <p:ph idx="1"/>
+          </p:nvPr>
+        </p:nvGraphicFramePr>
+        <p:xfrm>
+          <a:off x="838200" y="1690688"/>
+          <a:ext cx="10515600" cy="2225040"/>
+        </p:xfrm>
+        <a:graphic>
+          <a:graphicData uri="http://schemas.openxmlformats.org/drawingml/2006/table">
+            <a:tbl>
+              <a:tblPr firstRow="1" bandRow="1">
+                <a:tableStyleId>{073A0DAA-6AF3-43AB-8588-CEC1D06C72B9}</a:tableStyleId>
+              </a:tblPr>
+              <a:tblGrid>
+                <a:gridCol w="5257800">
+                  <a:extLst>
+                    <a:ext uri="{9D8B030D-6E8A-4147-A177-3AD203B41FA5}">
+                      <a16:colId xmlns:a16="http://schemas.microsoft.com/office/drawing/2014/main" val="1358078944"/>
+                    </a:ext>
+                  </a:extLst>
+                </a:gridCol>
+                <a:gridCol w="5257800">
+                  <a:extLst>
+                    <a:ext uri="{9D8B030D-6E8A-4147-A177-3AD203B41FA5}">
+                      <a16:colId xmlns:a16="http://schemas.microsoft.com/office/drawing/2014/main" val="2553709813"/>
+                    </a:ext>
+                  </a:extLst>
+                </a:gridCol>
+              </a:tblGrid>
+              <a:tr h="370840">
+                <a:tc>
+                  <a:txBody>
+                    <a:bodyPr/>
+                    <a:lstStyle/>
+                    <a:p>
+                      <a:r>
+                        <a:rPr lang="en-US" dirty="0"/>
+                        <a:t>Sample size</a:t>
+                      </a:r>
+                    </a:p>
+                  </a:txBody>
+                  <a:tcPr/>
+                </a:tc>
+                <a:tc>
+                  <a:txBody>
+                    <a:bodyPr/>
+                    <a:lstStyle/>
+                    <a:p>
+                      <a:r>
+                        <a:rPr lang="en-US" dirty="0"/>
+                        <a:t>Minimum p-value</a:t>
+                      </a:r>
+                    </a:p>
+                  </a:txBody>
+                  <a:tcPr/>
+                </a:tc>
+                <a:extLst>
+                  <a:ext uri="{0D108BD9-81ED-4DB2-BD59-A6C34878D82A}">
+                    <a16:rowId xmlns:a16="http://schemas.microsoft.com/office/drawing/2014/main" val="3936677262"/>
+                  </a:ext>
+                </a:extLst>
+              </a:tr>
+              <a:tr h="370840">
+                <a:tc>
+                  <a:txBody>
+                    <a:bodyPr/>
+                    <a:lstStyle/>
+                    <a:p>
+                      <a:r>
+                        <a:rPr lang="en-US" dirty="0"/>
+                        <a:t>10</a:t>
+                      </a:r>
+                    </a:p>
+                  </a:txBody>
+                  <a:tcPr/>
+                </a:tc>
+                <a:tc>
+                  <a:txBody>
+                    <a:bodyPr/>
+                    <a:lstStyle/>
+                    <a:p>
+                      <a:endParaRPr lang="en-US" dirty="0"/>
+                    </a:p>
+                  </a:txBody>
+                  <a:tcPr/>
+                </a:tc>
+                <a:extLst>
+                  <a:ext uri="{0D108BD9-81ED-4DB2-BD59-A6C34878D82A}">
+                    <a16:rowId xmlns:a16="http://schemas.microsoft.com/office/drawing/2014/main" val="1192190756"/>
+                  </a:ext>
+                </a:extLst>
+              </a:tr>
+              <a:tr h="370840">
+                <a:tc>
+                  <a:txBody>
+                    <a:bodyPr/>
+                    <a:lstStyle/>
+                    <a:p>
+                      <a:r>
+                        <a:rPr lang="en-US" dirty="0"/>
+                        <a:t>50</a:t>
+                      </a:r>
+                    </a:p>
+                  </a:txBody>
+                  <a:tcPr/>
+                </a:tc>
+                <a:tc>
+                  <a:txBody>
+                    <a:bodyPr/>
+                    <a:lstStyle/>
+                    <a:p>
+                      <a:endParaRPr lang="en-US" dirty="0"/>
+                    </a:p>
+                  </a:txBody>
+                  <a:tcPr/>
+                </a:tc>
+                <a:extLst>
+                  <a:ext uri="{0D108BD9-81ED-4DB2-BD59-A6C34878D82A}">
+                    <a16:rowId xmlns:a16="http://schemas.microsoft.com/office/drawing/2014/main" val="714423786"/>
+                  </a:ext>
+                </a:extLst>
+              </a:tr>
+              <a:tr h="370840">
+                <a:tc>
+                  <a:txBody>
+                    <a:bodyPr/>
+                    <a:lstStyle/>
+                    <a:p>
+                      <a:r>
+                        <a:rPr lang="en-US" dirty="0"/>
+                        <a:t>100</a:t>
+                      </a:r>
+                    </a:p>
+                  </a:txBody>
+                  <a:tcPr/>
+                </a:tc>
+                <a:tc>
+                  <a:txBody>
+                    <a:bodyPr/>
+                    <a:lstStyle/>
+                    <a:p>
+                      <a:endParaRPr lang="en-US" dirty="0"/>
+                    </a:p>
+                  </a:txBody>
+                  <a:tcPr/>
+                </a:tc>
+                <a:extLst>
+                  <a:ext uri="{0D108BD9-81ED-4DB2-BD59-A6C34878D82A}">
+                    <a16:rowId xmlns:a16="http://schemas.microsoft.com/office/drawing/2014/main" val="968309942"/>
+                  </a:ext>
+                </a:extLst>
+              </a:tr>
+              <a:tr h="370840">
+                <a:tc>
+                  <a:txBody>
+                    <a:bodyPr/>
+                    <a:lstStyle/>
+                    <a:p>
+                      <a:r>
+                        <a:rPr lang="en-US" dirty="0"/>
+                        <a:t>500</a:t>
+                      </a:r>
+                    </a:p>
+                  </a:txBody>
+                  <a:tcPr/>
+                </a:tc>
+                <a:tc>
+                  <a:txBody>
+                    <a:bodyPr/>
+                    <a:lstStyle/>
+                    <a:p>
+                      <a:endParaRPr lang="en-US" dirty="0"/>
+                    </a:p>
+                  </a:txBody>
+                  <a:tcPr/>
+                </a:tc>
+                <a:extLst>
+                  <a:ext uri="{0D108BD9-81ED-4DB2-BD59-A6C34878D82A}">
+                    <a16:rowId xmlns:a16="http://schemas.microsoft.com/office/drawing/2014/main" val="4123546818"/>
+                  </a:ext>
+                </a:extLst>
+              </a:tr>
+              <a:tr h="370840">
+                <a:tc>
+                  <a:txBody>
+                    <a:bodyPr/>
+                    <a:lstStyle/>
+                    <a:p>
+                      <a:r>
+                        <a:rPr lang="en-US" dirty="0"/>
+                        <a:t>1000</a:t>
+                      </a:r>
+                    </a:p>
+                  </a:txBody>
+                  <a:tcPr/>
+                </a:tc>
+                <a:tc>
+                  <a:txBody>
+                    <a:bodyPr/>
+                    <a:lstStyle/>
+                    <a:p>
+                      <a:endParaRPr lang="en-US" dirty="0"/>
+                    </a:p>
+                  </a:txBody>
+                  <a:tcPr/>
+                </a:tc>
+                <a:extLst>
+                  <a:ext uri="{0D108BD9-81ED-4DB2-BD59-A6C34878D82A}">
+                    <a16:rowId xmlns:a16="http://schemas.microsoft.com/office/drawing/2014/main" val="3389735121"/>
+                  </a:ext>
+                </a:extLst>
+              </a:tr>
+            </a:tbl>
+          </a:graphicData>
+        </a:graphic>
+      </p:graphicFrame>
+      <p:graphicFrame>
+        <p:nvGraphicFramePr>
+          <p:cNvPr id="5" name="Table 4">
+            <a:extLst>
+              <a:ext uri="{FF2B5EF4-FFF2-40B4-BE49-F238E27FC236}">
+                <a16:creationId xmlns:a16="http://schemas.microsoft.com/office/drawing/2014/main" id="{E73B03B9-BEEB-4EE2-9273-C61F50EF61EF}"/>
+              </a:ext>
+            </a:extLst>
+          </p:cNvPr>
+          <p:cNvGraphicFramePr>
+            <a:graphicFrameLocks/>
+          </p:cNvGraphicFramePr>
+          <p:nvPr/>
+        </p:nvGraphicFramePr>
+        <p:xfrm>
+          <a:off x="838200" y="4458474"/>
+          <a:ext cx="10515600" cy="2225040"/>
+        </p:xfrm>
+        <a:graphic>
+          <a:graphicData uri="http://schemas.openxmlformats.org/drawingml/2006/table">
+            <a:tbl>
+              <a:tblPr firstRow="1" bandRow="1">
+                <a:tableStyleId>{073A0DAA-6AF3-43AB-8588-CEC1D06C72B9}</a:tableStyleId>
+              </a:tblPr>
+              <a:tblGrid>
+                <a:gridCol w="5257800">
+                  <a:extLst>
+                    <a:ext uri="{9D8B030D-6E8A-4147-A177-3AD203B41FA5}">
+                      <a16:colId xmlns:a16="http://schemas.microsoft.com/office/drawing/2014/main" val="1358078944"/>
+                    </a:ext>
+                  </a:extLst>
+                </a:gridCol>
+                <a:gridCol w="5257800">
+                  <a:extLst>
+                    <a:ext uri="{9D8B030D-6E8A-4147-A177-3AD203B41FA5}">
+                      <a16:colId xmlns:a16="http://schemas.microsoft.com/office/drawing/2014/main" val="2553709813"/>
+                    </a:ext>
+                  </a:extLst>
+                </a:gridCol>
+              </a:tblGrid>
+              <a:tr h="370840">
+                <a:tc>
+                  <a:txBody>
+                    <a:bodyPr/>
+                    <a:lstStyle/>
+                    <a:p>
+                      <a:r>
+                        <a:rPr lang="en-US" dirty="0"/>
+                        <a:t>Sample size</a:t>
+                      </a:r>
+                    </a:p>
+                  </a:txBody>
+                  <a:tcPr/>
+                </a:tc>
+                <a:tc>
+                  <a:txBody>
+                    <a:bodyPr/>
+                    <a:lstStyle/>
+                    <a:p>
+                      <a:r>
+                        <a:rPr lang="en-US" dirty="0"/>
+                        <a:t>Minimum p-value</a:t>
+                      </a:r>
+                    </a:p>
+                  </a:txBody>
+                  <a:tcPr/>
+                </a:tc>
+                <a:extLst>
+                  <a:ext uri="{0D108BD9-81ED-4DB2-BD59-A6C34878D82A}">
+                    <a16:rowId xmlns:a16="http://schemas.microsoft.com/office/drawing/2014/main" val="3936677262"/>
+                  </a:ext>
+                </a:extLst>
+              </a:tr>
+              <a:tr h="370840">
+                <a:tc>
+                  <a:txBody>
+                    <a:bodyPr/>
+                    <a:lstStyle/>
+                    <a:p>
+                      <a:r>
+                        <a:rPr lang="en-US" dirty="0"/>
+                        <a:t>10</a:t>
+                      </a:r>
+                    </a:p>
+                  </a:txBody>
+                  <a:tcPr/>
+                </a:tc>
+                <a:tc>
+                  <a:txBody>
+                    <a:bodyPr/>
+                    <a:lstStyle/>
+                    <a:p>
+                      <a:endParaRPr lang="en-US" dirty="0"/>
+                    </a:p>
+                  </a:txBody>
+                  <a:tcPr/>
+                </a:tc>
+                <a:extLst>
+                  <a:ext uri="{0D108BD9-81ED-4DB2-BD59-A6C34878D82A}">
+                    <a16:rowId xmlns:a16="http://schemas.microsoft.com/office/drawing/2014/main" val="1192190756"/>
+                  </a:ext>
+                </a:extLst>
+              </a:tr>
+              <a:tr h="370840">
+                <a:tc>
+                  <a:txBody>
+                    <a:bodyPr/>
+                    <a:lstStyle/>
+                    <a:p>
+                      <a:r>
+                        <a:rPr lang="en-US" dirty="0"/>
+                        <a:t>50</a:t>
+                      </a:r>
+                    </a:p>
+                  </a:txBody>
+                  <a:tcPr/>
+                </a:tc>
+                <a:tc>
+                  <a:txBody>
+                    <a:bodyPr/>
+                    <a:lstStyle/>
+                    <a:p>
+                      <a:endParaRPr lang="en-US" dirty="0"/>
+                    </a:p>
+                  </a:txBody>
+                  <a:tcPr/>
+                </a:tc>
+                <a:extLst>
+                  <a:ext uri="{0D108BD9-81ED-4DB2-BD59-A6C34878D82A}">
+                    <a16:rowId xmlns:a16="http://schemas.microsoft.com/office/drawing/2014/main" val="714423786"/>
+                  </a:ext>
+                </a:extLst>
+              </a:tr>
+              <a:tr h="370840">
+                <a:tc>
+                  <a:txBody>
+                    <a:bodyPr/>
+                    <a:lstStyle/>
+                    <a:p>
+                      <a:r>
+                        <a:rPr lang="en-US" dirty="0"/>
+                        <a:t>100</a:t>
+                      </a:r>
+                    </a:p>
+                  </a:txBody>
+                  <a:tcPr/>
+                </a:tc>
+                <a:tc>
+                  <a:txBody>
+                    <a:bodyPr/>
+                    <a:lstStyle/>
+                    <a:p>
+                      <a:endParaRPr lang="en-US" dirty="0"/>
+                    </a:p>
+                  </a:txBody>
+                  <a:tcPr/>
+                </a:tc>
+                <a:extLst>
+                  <a:ext uri="{0D108BD9-81ED-4DB2-BD59-A6C34878D82A}">
+                    <a16:rowId xmlns:a16="http://schemas.microsoft.com/office/drawing/2014/main" val="968309942"/>
+                  </a:ext>
+                </a:extLst>
+              </a:tr>
+              <a:tr h="370840">
+                <a:tc>
+                  <a:txBody>
+                    <a:bodyPr/>
+                    <a:lstStyle/>
+                    <a:p>
+                      <a:r>
+                        <a:rPr lang="en-US" dirty="0"/>
+                        <a:t>500</a:t>
+                      </a:r>
+                    </a:p>
+                  </a:txBody>
+                  <a:tcPr/>
+                </a:tc>
+                <a:tc>
+                  <a:txBody>
+                    <a:bodyPr/>
+                    <a:lstStyle/>
+                    <a:p>
+                      <a:endParaRPr lang="en-US" dirty="0"/>
+                    </a:p>
+                  </a:txBody>
+                  <a:tcPr/>
+                </a:tc>
+                <a:extLst>
+                  <a:ext uri="{0D108BD9-81ED-4DB2-BD59-A6C34878D82A}">
+                    <a16:rowId xmlns:a16="http://schemas.microsoft.com/office/drawing/2014/main" val="4123546818"/>
+                  </a:ext>
+                </a:extLst>
+              </a:tr>
+              <a:tr h="370840">
+                <a:tc>
+                  <a:txBody>
+                    <a:bodyPr/>
+                    <a:lstStyle/>
+                    <a:p>
+                      <a:r>
+                        <a:rPr lang="en-US" dirty="0"/>
+                        <a:t>1000</a:t>
+                      </a:r>
+                    </a:p>
+                  </a:txBody>
+                  <a:tcPr/>
+                </a:tc>
+                <a:tc>
+                  <a:txBody>
+                    <a:bodyPr/>
+                    <a:lstStyle/>
+                    <a:p>
+                      <a:endParaRPr lang="en-US" dirty="0"/>
+                    </a:p>
+                  </a:txBody>
+                  <a:tcPr/>
+                </a:tc>
+                <a:extLst>
+                  <a:ext uri="{0D108BD9-81ED-4DB2-BD59-A6C34878D82A}">
+                    <a16:rowId xmlns:a16="http://schemas.microsoft.com/office/drawing/2014/main" val="3389735121"/>
+                  </a:ext>
+                </a:extLst>
+              </a:tr>
+            </a:tbl>
+          </a:graphicData>
+        </a:graphic>
+      </p:graphicFrame>
+      <p:sp>
+        <p:nvSpPr>
+          <p:cNvPr id="6" name="TextBox 5">
+            <a:extLst>
+              <a:ext uri="{FF2B5EF4-FFF2-40B4-BE49-F238E27FC236}">
+                <a16:creationId xmlns:a16="http://schemas.microsoft.com/office/drawing/2014/main" id="{5F236CC5-8350-46A9-81EA-68241E334F6D}"/>
+              </a:ext>
+            </a:extLst>
+          </p:cNvPr>
+          <p:cNvSpPr txBox="1"/>
+          <p:nvPr/>
+        </p:nvSpPr>
+        <p:spPr>
+          <a:xfrm>
+            <a:off x="5815780" y="1321356"/>
+            <a:ext cx="914400" cy="369332"/>
+          </a:xfrm>
+          <a:prstGeom prst="rect">
+            <a:avLst/>
+          </a:prstGeom>
+          <a:noFill/>
+        </p:spPr>
+        <p:txBody>
+          <a:bodyPr wrap="square" rtlCol="0">
+            <a:spAutoFit/>
+          </a:bodyPr>
+          <a:lstStyle/>
+          <a:p>
+            <a:r>
+              <a:rPr lang="en-US" dirty="0"/>
+              <a:t>s=-0.01</a:t>
+            </a:r>
+          </a:p>
+        </p:txBody>
+      </p:sp>
+      <p:sp>
+        <p:nvSpPr>
+          <p:cNvPr id="8" name="TextBox 7">
+            <a:extLst>
+              <a:ext uri="{FF2B5EF4-FFF2-40B4-BE49-F238E27FC236}">
+                <a16:creationId xmlns:a16="http://schemas.microsoft.com/office/drawing/2014/main" id="{CDF96478-6153-4AAC-BCFF-08443C987F2D}"/>
+              </a:ext>
+            </a:extLst>
+          </p:cNvPr>
+          <p:cNvSpPr txBox="1"/>
+          <p:nvPr/>
+        </p:nvSpPr>
+        <p:spPr>
+          <a:xfrm>
+            <a:off x="5815779" y="4027905"/>
+            <a:ext cx="1096297" cy="369332"/>
+          </a:xfrm>
+          <a:prstGeom prst="rect">
+            <a:avLst/>
+          </a:prstGeom>
+          <a:noFill/>
+        </p:spPr>
+        <p:txBody>
+          <a:bodyPr wrap="square" rtlCol="0">
+            <a:spAutoFit/>
+          </a:bodyPr>
+          <a:lstStyle/>
+          <a:p>
+            <a:r>
+              <a:rPr lang="en-US" dirty="0"/>
+              <a:t>s=-0.001</a:t>
+            </a:r>
+          </a:p>
+        </p:txBody>
+      </p:sp>
+    </p:spTree>
+    <p:extLst>
+      <p:ext uri="{BB962C8B-B14F-4D97-AF65-F5344CB8AC3E}">
+        <p14:creationId xmlns:p14="http://schemas.microsoft.com/office/powerpoint/2010/main" val="3019143952"/>
+      </p:ext>
+    </p:extLst>
+  </p:cSld>
+  <p:clrMapOvr>
+    <a:masterClrMapping/>
+  </p:clrMapOvr>
+</p:sld>
+</file>
+
+<file path=ppt/slides/slide11.xml><?xml version="1.0" encoding="utf-8"?>
+<p:sld xmlns:a="http://schemas.openxmlformats.org/drawingml/2006/main" xmlns:r="http://schemas.openxmlformats.org/officeDocument/2006/relationships" xmlns:p="http://schemas.openxmlformats.org/presentationml/2006/main">
+  <p:cSld>
+    <p:spTree>
+      <p:nvGrpSpPr>
+        <p:cNvPr id="1" name=""/>
+        <p:cNvGrpSpPr/>
+        <p:nvPr/>
+      </p:nvGrpSpPr>
+      <p:grpSpPr>
+        <a:xfrm>
+          <a:off x="0" y="0"/>
+          <a:ext cx="0" cy="0"/>
+          <a:chOff x="0" y="0"/>
+          <a:chExt cx="0" cy="0"/>
+        </a:xfrm>
+      </p:grpSpPr>
+      <p:sp>
+        <p:nvSpPr>
+          <p:cNvPr id="2" name="Title 1">
+            <a:extLst>
+              <a:ext uri="{FF2B5EF4-FFF2-40B4-BE49-F238E27FC236}">
+                <a16:creationId xmlns:a16="http://schemas.microsoft.com/office/drawing/2014/main" id="{1DA4FD9C-0575-4672-BDCF-805449EFAC7C}"/>
+              </a:ext>
+            </a:extLst>
+          </p:cNvPr>
+          <p:cNvSpPr>
+            <a:spLocks noGrp="1"/>
+          </p:cNvSpPr>
+          <p:nvPr>
+            <p:ph type="title"/>
+          </p:nvPr>
+        </p:nvSpPr>
+        <p:spPr/>
+        <p:txBody>
+          <a:bodyPr/>
+          <a:lstStyle/>
+          <a:p>
+            <a:r>
+              <a:rPr lang="en-US" dirty="0"/>
+              <a:t>//TODO</a:t>
+            </a:r>
+          </a:p>
+        </p:txBody>
+      </p:sp>
+      <p:sp>
+        <p:nvSpPr>
+          <p:cNvPr id="3" name="Content Placeholder 2">
+            <a:extLst>
+              <a:ext uri="{FF2B5EF4-FFF2-40B4-BE49-F238E27FC236}">
+                <a16:creationId xmlns:a16="http://schemas.microsoft.com/office/drawing/2014/main" id="{B7017510-3A51-4778-BB7F-0F91AE0D6F96}"/>
+              </a:ext>
+            </a:extLst>
+          </p:cNvPr>
+          <p:cNvSpPr>
+            <a:spLocks noGrp="1"/>
+          </p:cNvSpPr>
+          <p:nvPr>
+            <p:ph idx="1"/>
+          </p:nvPr>
+        </p:nvSpPr>
+        <p:spPr/>
+        <p:txBody>
+          <a:bodyPr>
+            <a:normAutofit/>
+          </a:bodyPr>
+          <a:lstStyle/>
+          <a:p>
+            <a:r>
+              <a:rPr lang="en-US" dirty="0"/>
+              <a:t>Fisher’s Exact Test for Hardy-</a:t>
+            </a:r>
+            <a:r>
+              <a:rPr lang="en-US" dirty="0" err="1"/>
+              <a:t>Weinburg</a:t>
+            </a:r>
+            <a:endParaRPr lang="en-US" dirty="0"/>
+          </a:p>
+          <a:p>
+            <a:pPr lvl="1"/>
+            <a:r>
+              <a:rPr lang="en-US" dirty="0"/>
+              <a:t>Throw out singletons, since they are uninformative</a:t>
+            </a:r>
+          </a:p>
+          <a:p>
+            <a:pPr lvl="1"/>
+            <a:r>
+              <a:rPr lang="en-US" dirty="0"/>
+              <a:t>Should help out multiple-hypothesis burden</a:t>
+            </a:r>
+          </a:p>
+          <a:p>
+            <a:r>
+              <a:rPr lang="en-US" dirty="0"/>
+              <a:t>Apply test for each SNP</a:t>
+            </a:r>
+          </a:p>
+          <a:p>
+            <a:r>
+              <a:rPr lang="en-US" dirty="0"/>
+              <a:t>Make </a:t>
+            </a:r>
+            <a:r>
+              <a:rPr lang="en-US" dirty="0" err="1"/>
+              <a:t>qq</a:t>
+            </a:r>
+            <a:r>
+              <a:rPr lang="en-US" dirty="0"/>
+              <a:t>-plot of p-values</a:t>
+            </a:r>
+          </a:p>
+          <a:p>
+            <a:r>
+              <a:rPr lang="en-US" dirty="0"/>
+              <a:t>Compare additive and neutral simulation (this was neutral)</a:t>
+            </a:r>
+          </a:p>
+          <a:p>
+            <a:r>
+              <a:rPr lang="en-US" dirty="0"/>
+              <a:t>Conditional on allele count, compute probability of homozygotes</a:t>
+            </a:r>
+          </a:p>
+        </p:txBody>
+      </p:sp>
+    </p:spTree>
+    <p:extLst>
+      <p:ext uri="{BB962C8B-B14F-4D97-AF65-F5344CB8AC3E}">
+        <p14:creationId xmlns:p14="http://schemas.microsoft.com/office/powerpoint/2010/main" val="466745264"/>
+      </p:ext>
+    </p:extLst>
+  </p:cSld>
+  <p:clrMapOvr>
+    <a:masterClrMapping/>
+  </p:clrMapOvr>
+</p:sld>
+</file>
+
 <file path=ppt/slides/slide2.xml><?xml version="1.0" encoding="utf-8"?>
 <p:sld xmlns:a="http://schemas.openxmlformats.org/drawingml/2006/main" xmlns:r="http://schemas.openxmlformats.org/officeDocument/2006/relationships" xmlns:p="http://schemas.openxmlformats.org/presentationml/2006/main">
   <p:cSld>
@@ -4643,7 +5374,7 @@
                 <a:latin typeface="Yu Gothic" panose="020B0400000000000000" pitchFamily="34" charset="-128"/>
                 <a:ea typeface="Yu Gothic" panose="020B0400000000000000" pitchFamily="34" charset="-128"/>
               </a:rPr>
-              <a:t>Random seed = 1</a:t>
+              <a:t>Random initial seed = 1 (rest can be derived)</a:t>
             </a:r>
           </a:p>
           <a:p>
@@ -4652,7 +5383,7 @@
                 <a:latin typeface="Yu Gothic" panose="020B0400000000000000" pitchFamily="34" charset="-128"/>
                 <a:ea typeface="Yu Gothic" panose="020B0400000000000000" pitchFamily="34" charset="-128"/>
               </a:rPr>
-              <a:t>1000,000 nucleotides (uniform, no recombination)</a:t>
+              <a:t>100 bp (uniform, no recombination)</a:t>
             </a:r>
           </a:p>
           <a:p>
@@ -4792,7 +5523,7 @@
         <p:spPr/>
         <p:txBody>
           <a:bodyPr>
-            <a:normAutofit fontScale="85000" lnSpcReduction="20000"/>
+            <a:normAutofit/>
           </a:bodyPr>
           <a:lstStyle/>
           <a:p>
@@ -4811,70 +5542,20 @@
           <a:p>
             <a:r>
               <a:rPr lang="en-US" dirty="0"/>
-              <a:t>Use more reasonable s, i.e., s=-0.01 or s=-0.1, or even s=-0.001</a:t>
+              <a:t>s = {0, -0.1, -0.01, -0.001}</a:t>
             </a:r>
           </a:p>
           <a:p>
             <a:r>
               <a:rPr lang="en-US" dirty="0"/>
-              <a:t>Simulate with s=0 as possible baseline / null</a:t>
-            </a:r>
-          </a:p>
-          <a:p>
+              <a:t>Per SNP chi-square test</a:t>
+            </a:r>
+          </a:p>
+          <a:p>
+            <a:pPr lvl="1"/>
             <a:r>
               <a:rPr lang="en-US" dirty="0"/>
-              <a:t>Fisher’s Exact Test for Hardy-</a:t>
-            </a:r>
-            <a:r>
-              <a:rPr lang="en-US" dirty="0" err="1"/>
-              <a:t>Weinburg</a:t>
-            </a:r>
-            <a:endParaRPr lang="en-US" dirty="0"/>
-          </a:p>
-          <a:p>
-            <a:pPr lvl="1"/>
-            <a:r>
-              <a:rPr lang="en-US" dirty="0"/>
-              <a:t>Throw out singletons, since they are uninformative</a:t>
-            </a:r>
-          </a:p>
-          <a:p>
-            <a:pPr lvl="1"/>
-            <a:r>
-              <a:rPr lang="en-US" dirty="0"/>
-              <a:t>Should help out multiple-hypothesis burden</a:t>
-            </a:r>
-          </a:p>
-          <a:p>
-            <a:r>
-              <a:rPr lang="en-US" dirty="0"/>
-              <a:t>Apply test for each SNP</a:t>
-            </a:r>
-          </a:p>
-          <a:p>
-            <a:r>
-              <a:rPr lang="en-US" dirty="0"/>
-              <a:t>Make </a:t>
-            </a:r>
-            <a:r>
-              <a:rPr lang="en-US" dirty="0" err="1"/>
-              <a:t>qq</a:t>
-            </a:r>
-            <a:r>
-              <a:rPr lang="en-US" dirty="0"/>
-              <a:t>-plot of p-values</a:t>
-            </a:r>
-          </a:p>
-          <a:p>
-            <a:r>
-              <a:rPr lang="en-US" dirty="0"/>
-              <a:t>Compare additive and neutral simulation (this was neutral)</a:t>
-            </a:r>
-          </a:p>
-          <a:p>
-            <a:r>
-              <a:rPr lang="en-US" dirty="0"/>
-              <a:t>Conditional on allele count, compute probability of homozygotes</a:t>
+              <a:t>Still working on Fisher’s Exact Test</a:t>
             </a:r>
           </a:p>
           <a:p>
@@ -4899,7 +5580,7 @@
     </p:spTree>
     <p:extLst>
       <p:ext uri="{BB962C8B-B14F-4D97-AF65-F5344CB8AC3E}">
-        <p14:creationId xmlns:p14="http://schemas.microsoft.com/office/powerpoint/2010/main" val="1275175432"/>
+        <p14:creationId xmlns:p14="http://schemas.microsoft.com/office/powerpoint/2010/main" val="1372927149"/>
       </p:ext>
     </p:extLst>
   </p:cSld>
@@ -4931,7 +5612,7 @@
           <p:cNvPr id="2" name="Title 1">
             <a:extLst>
               <a:ext uri="{FF2B5EF4-FFF2-40B4-BE49-F238E27FC236}">
-                <a16:creationId xmlns:a16="http://schemas.microsoft.com/office/drawing/2014/main" id="{1DA4FD9C-0575-4672-BDCF-805449EFAC7C}"/>
+                <a16:creationId xmlns:a16="http://schemas.microsoft.com/office/drawing/2014/main" id="{75DEF2C1-984C-4FD8-8F85-6A3DF6B272CF}"/>
               </a:ext>
             </a:extLst>
           </p:cNvPr>
@@ -4949,138 +5630,552 @@
           <a:p>
             <a:r>
               <a:rPr lang="en-US" dirty="0"/>
-              <a:t>Progress</a:t>
-            </a:r>
-          </a:p>
-        </p:txBody>
-      </p:sp>
-      <p:sp>
-        <p:nvSpPr>
-          <p:cNvPr id="3" name="Content Placeholder 2">
-            <a:extLst>
-              <a:ext uri="{FF2B5EF4-FFF2-40B4-BE49-F238E27FC236}">
-                <a16:creationId xmlns:a16="http://schemas.microsoft.com/office/drawing/2014/main" id="{B7017510-3A51-4778-BB7F-0F91AE0D6F96}"/>
-              </a:ext>
-            </a:extLst>
-          </p:cNvPr>
-          <p:cNvSpPr>
-            <a:spLocks noGrp="1"/>
-          </p:cNvSpPr>
+              <a:t>Results (purely recessive)</a:t>
+            </a:r>
+          </a:p>
+        </p:txBody>
+      </p:sp>
+      <p:graphicFrame>
+        <p:nvGraphicFramePr>
+          <p:cNvPr id="4" name="Table 4">
+            <a:extLst>
+              <a:ext uri="{FF2B5EF4-FFF2-40B4-BE49-F238E27FC236}">
+                <a16:creationId xmlns:a16="http://schemas.microsoft.com/office/drawing/2014/main" id="{1FC06213-A66F-4BB2-8A7F-8649DB13576C}"/>
+              </a:ext>
+            </a:extLst>
+          </p:cNvPr>
+          <p:cNvGraphicFramePr>
+            <a:graphicFrameLocks noGrp="1"/>
+          </p:cNvGraphicFramePr>
           <p:nvPr>
             <p:ph idx="1"/>
-          </p:nvPr>
-        </p:nvSpPr>
-        <p:spPr/>
-        <p:txBody>
-          <a:bodyPr>
-            <a:normAutofit fontScale="85000" lnSpcReduction="20000"/>
+            <p:extLst>
+              <p:ext uri="{D42A27DB-BD31-4B8C-83A1-F6EECF244321}">
+                <p14:modId xmlns:p14="http://schemas.microsoft.com/office/powerpoint/2010/main" val="566439424"/>
+              </p:ext>
+            </p:extLst>
+          </p:nvPr>
+        </p:nvGraphicFramePr>
+        <p:xfrm>
+          <a:off x="838200" y="1690688"/>
+          <a:ext cx="10515600" cy="2225040"/>
+        </p:xfrm>
+        <a:graphic>
+          <a:graphicData uri="http://schemas.openxmlformats.org/drawingml/2006/table">
+            <a:tbl>
+              <a:tblPr firstRow="1" bandRow="1">
+                <a:tableStyleId>{073A0DAA-6AF3-43AB-8588-CEC1D06C72B9}</a:tableStyleId>
+              </a:tblPr>
+              <a:tblGrid>
+                <a:gridCol w="5257800">
+                  <a:extLst>
+                    <a:ext uri="{9D8B030D-6E8A-4147-A177-3AD203B41FA5}">
+                      <a16:colId xmlns:a16="http://schemas.microsoft.com/office/drawing/2014/main" val="1358078944"/>
+                    </a:ext>
+                  </a:extLst>
+                </a:gridCol>
+                <a:gridCol w="5257800">
+                  <a:extLst>
+                    <a:ext uri="{9D8B030D-6E8A-4147-A177-3AD203B41FA5}">
+                      <a16:colId xmlns:a16="http://schemas.microsoft.com/office/drawing/2014/main" val="2553709813"/>
+                    </a:ext>
+                  </a:extLst>
+                </a:gridCol>
+              </a:tblGrid>
+              <a:tr h="370840">
+                <a:tc>
+                  <a:txBody>
+                    <a:bodyPr/>
+                    <a:lstStyle/>
+                    <a:p>
+                      <a:r>
+                        <a:rPr lang="en-US" dirty="0"/>
+                        <a:t>Sample size</a:t>
+                      </a:r>
+                    </a:p>
+                  </a:txBody>
+                  <a:tcPr/>
+                </a:tc>
+                <a:tc>
+                  <a:txBody>
+                    <a:bodyPr/>
+                    <a:lstStyle/>
+                    <a:p>
+                      <a:r>
+                        <a:rPr lang="en-US" dirty="0"/>
+                        <a:t>Minimum p-value</a:t>
+                      </a:r>
+                    </a:p>
+                  </a:txBody>
+                  <a:tcPr/>
+                </a:tc>
+                <a:extLst>
+                  <a:ext uri="{0D108BD9-81ED-4DB2-BD59-A6C34878D82A}">
+                    <a16:rowId xmlns:a16="http://schemas.microsoft.com/office/drawing/2014/main" val="3936677262"/>
+                  </a:ext>
+                </a:extLst>
+              </a:tr>
+              <a:tr h="370840">
+                <a:tc>
+                  <a:txBody>
+                    <a:bodyPr/>
+                    <a:lstStyle/>
+                    <a:p>
+                      <a:r>
+                        <a:rPr lang="en-US" dirty="0"/>
+                        <a:t>10</a:t>
+                      </a:r>
+                    </a:p>
+                  </a:txBody>
+                  <a:tcPr/>
+                </a:tc>
+                <a:tc>
+                  <a:txBody>
+                    <a:bodyPr/>
+                    <a:lstStyle/>
+                    <a:p>
+                      <a:endParaRPr lang="en-US" dirty="0"/>
+                    </a:p>
+                  </a:txBody>
+                  <a:tcPr/>
+                </a:tc>
+                <a:extLst>
+                  <a:ext uri="{0D108BD9-81ED-4DB2-BD59-A6C34878D82A}">
+                    <a16:rowId xmlns:a16="http://schemas.microsoft.com/office/drawing/2014/main" val="1192190756"/>
+                  </a:ext>
+                </a:extLst>
+              </a:tr>
+              <a:tr h="370840">
+                <a:tc>
+                  <a:txBody>
+                    <a:bodyPr/>
+                    <a:lstStyle/>
+                    <a:p>
+                      <a:r>
+                        <a:rPr lang="en-US" dirty="0"/>
+                        <a:t>50</a:t>
+                      </a:r>
+                    </a:p>
+                  </a:txBody>
+                  <a:tcPr/>
+                </a:tc>
+                <a:tc>
+                  <a:txBody>
+                    <a:bodyPr/>
+                    <a:lstStyle/>
+                    <a:p>
+                      <a:endParaRPr lang="en-US" dirty="0"/>
+                    </a:p>
+                  </a:txBody>
+                  <a:tcPr/>
+                </a:tc>
+                <a:extLst>
+                  <a:ext uri="{0D108BD9-81ED-4DB2-BD59-A6C34878D82A}">
+                    <a16:rowId xmlns:a16="http://schemas.microsoft.com/office/drawing/2014/main" val="714423786"/>
+                  </a:ext>
+                </a:extLst>
+              </a:tr>
+              <a:tr h="370840">
+                <a:tc>
+                  <a:txBody>
+                    <a:bodyPr/>
+                    <a:lstStyle/>
+                    <a:p>
+                      <a:r>
+                        <a:rPr lang="en-US" dirty="0"/>
+                        <a:t>100</a:t>
+                      </a:r>
+                    </a:p>
+                  </a:txBody>
+                  <a:tcPr/>
+                </a:tc>
+                <a:tc>
+                  <a:txBody>
+                    <a:bodyPr/>
+                    <a:lstStyle/>
+                    <a:p>
+                      <a:endParaRPr lang="en-US" dirty="0"/>
+                    </a:p>
+                  </a:txBody>
+                  <a:tcPr/>
+                </a:tc>
+                <a:extLst>
+                  <a:ext uri="{0D108BD9-81ED-4DB2-BD59-A6C34878D82A}">
+                    <a16:rowId xmlns:a16="http://schemas.microsoft.com/office/drawing/2014/main" val="968309942"/>
+                  </a:ext>
+                </a:extLst>
+              </a:tr>
+              <a:tr h="370840">
+                <a:tc>
+                  <a:txBody>
+                    <a:bodyPr/>
+                    <a:lstStyle/>
+                    <a:p>
+                      <a:r>
+                        <a:rPr lang="en-US" dirty="0"/>
+                        <a:t>500</a:t>
+                      </a:r>
+                    </a:p>
+                  </a:txBody>
+                  <a:tcPr/>
+                </a:tc>
+                <a:tc>
+                  <a:txBody>
+                    <a:bodyPr/>
+                    <a:lstStyle/>
+                    <a:p>
+                      <a:endParaRPr lang="en-US" dirty="0"/>
+                    </a:p>
+                  </a:txBody>
+                  <a:tcPr/>
+                </a:tc>
+                <a:extLst>
+                  <a:ext uri="{0D108BD9-81ED-4DB2-BD59-A6C34878D82A}">
+                    <a16:rowId xmlns:a16="http://schemas.microsoft.com/office/drawing/2014/main" val="4123546818"/>
+                  </a:ext>
+                </a:extLst>
+              </a:tr>
+              <a:tr h="370840">
+                <a:tc>
+                  <a:txBody>
+                    <a:bodyPr/>
+                    <a:lstStyle/>
+                    <a:p>
+                      <a:r>
+                        <a:rPr lang="en-US" dirty="0"/>
+                        <a:t>1000</a:t>
+                      </a:r>
+                    </a:p>
+                  </a:txBody>
+                  <a:tcPr/>
+                </a:tc>
+                <a:tc>
+                  <a:txBody>
+                    <a:bodyPr/>
+                    <a:lstStyle/>
+                    <a:p>
+                      <a:endParaRPr lang="en-US" dirty="0"/>
+                    </a:p>
+                  </a:txBody>
+                  <a:tcPr/>
+                </a:tc>
+                <a:extLst>
+                  <a:ext uri="{0D108BD9-81ED-4DB2-BD59-A6C34878D82A}">
+                    <a16:rowId xmlns:a16="http://schemas.microsoft.com/office/drawing/2014/main" val="3389735121"/>
+                  </a:ext>
+                </a:extLst>
+              </a:tr>
+            </a:tbl>
+          </a:graphicData>
+        </a:graphic>
+      </p:graphicFrame>
+      <p:graphicFrame>
+        <p:nvGraphicFramePr>
+          <p:cNvPr id="5" name="Table 4">
+            <a:extLst>
+              <a:ext uri="{FF2B5EF4-FFF2-40B4-BE49-F238E27FC236}">
+                <a16:creationId xmlns:a16="http://schemas.microsoft.com/office/drawing/2014/main" id="{E73B03B9-BEEB-4EE2-9273-C61F50EF61EF}"/>
+              </a:ext>
+            </a:extLst>
+          </p:cNvPr>
+          <p:cNvGraphicFramePr>
+            <a:graphicFrameLocks/>
+          </p:cNvGraphicFramePr>
+          <p:nvPr>
+            <p:extLst>
+              <p:ext uri="{D42A27DB-BD31-4B8C-83A1-F6EECF244321}">
+                <p14:modId xmlns:p14="http://schemas.microsoft.com/office/powerpoint/2010/main" val="3878577755"/>
+              </p:ext>
+            </p:extLst>
+          </p:nvPr>
+        </p:nvGraphicFramePr>
+        <p:xfrm>
+          <a:off x="838200" y="4458474"/>
+          <a:ext cx="10515600" cy="2225040"/>
+        </p:xfrm>
+        <a:graphic>
+          <a:graphicData uri="http://schemas.openxmlformats.org/drawingml/2006/table">
+            <a:tbl>
+              <a:tblPr firstRow="1" bandRow="1">
+                <a:tableStyleId>{073A0DAA-6AF3-43AB-8588-CEC1D06C72B9}</a:tableStyleId>
+              </a:tblPr>
+              <a:tblGrid>
+                <a:gridCol w="5257800">
+                  <a:extLst>
+                    <a:ext uri="{9D8B030D-6E8A-4147-A177-3AD203B41FA5}">
+                      <a16:colId xmlns:a16="http://schemas.microsoft.com/office/drawing/2014/main" val="1358078944"/>
+                    </a:ext>
+                  </a:extLst>
+                </a:gridCol>
+                <a:gridCol w="5257800">
+                  <a:extLst>
+                    <a:ext uri="{9D8B030D-6E8A-4147-A177-3AD203B41FA5}">
+                      <a16:colId xmlns:a16="http://schemas.microsoft.com/office/drawing/2014/main" val="2553709813"/>
+                    </a:ext>
+                  </a:extLst>
+                </a:gridCol>
+              </a:tblGrid>
+              <a:tr h="370840">
+                <a:tc>
+                  <a:txBody>
+                    <a:bodyPr/>
+                    <a:lstStyle/>
+                    <a:p>
+                      <a:r>
+                        <a:rPr lang="en-US" dirty="0"/>
+                        <a:t>Sample size</a:t>
+                      </a:r>
+                    </a:p>
+                  </a:txBody>
+                  <a:tcPr/>
+                </a:tc>
+                <a:tc>
+                  <a:txBody>
+                    <a:bodyPr/>
+                    <a:lstStyle/>
+                    <a:p>
+                      <a:r>
+                        <a:rPr lang="en-US" dirty="0"/>
+                        <a:t>Minimum p-value</a:t>
+                      </a:r>
+                    </a:p>
+                  </a:txBody>
+                  <a:tcPr/>
+                </a:tc>
+                <a:extLst>
+                  <a:ext uri="{0D108BD9-81ED-4DB2-BD59-A6C34878D82A}">
+                    <a16:rowId xmlns:a16="http://schemas.microsoft.com/office/drawing/2014/main" val="3936677262"/>
+                  </a:ext>
+                </a:extLst>
+              </a:tr>
+              <a:tr h="370840">
+                <a:tc>
+                  <a:txBody>
+                    <a:bodyPr/>
+                    <a:lstStyle/>
+                    <a:p>
+                      <a:r>
+                        <a:rPr lang="en-US" dirty="0"/>
+                        <a:t>10</a:t>
+                      </a:r>
+                    </a:p>
+                  </a:txBody>
+                  <a:tcPr/>
+                </a:tc>
+                <a:tc>
+                  <a:txBody>
+                    <a:bodyPr/>
+                    <a:lstStyle/>
+                    <a:p>
+                      <a:endParaRPr lang="en-US" dirty="0"/>
+                    </a:p>
+                  </a:txBody>
+                  <a:tcPr/>
+                </a:tc>
+                <a:extLst>
+                  <a:ext uri="{0D108BD9-81ED-4DB2-BD59-A6C34878D82A}">
+                    <a16:rowId xmlns:a16="http://schemas.microsoft.com/office/drawing/2014/main" val="1192190756"/>
+                  </a:ext>
+                </a:extLst>
+              </a:tr>
+              <a:tr h="370840">
+                <a:tc>
+                  <a:txBody>
+                    <a:bodyPr/>
+                    <a:lstStyle/>
+                    <a:p>
+                      <a:r>
+                        <a:rPr lang="en-US" dirty="0"/>
+                        <a:t>50</a:t>
+                      </a:r>
+                    </a:p>
+                  </a:txBody>
+                  <a:tcPr/>
+                </a:tc>
+                <a:tc>
+                  <a:txBody>
+                    <a:bodyPr/>
+                    <a:lstStyle/>
+                    <a:p>
+                      <a:endParaRPr lang="en-US" dirty="0"/>
+                    </a:p>
+                  </a:txBody>
+                  <a:tcPr/>
+                </a:tc>
+                <a:extLst>
+                  <a:ext uri="{0D108BD9-81ED-4DB2-BD59-A6C34878D82A}">
+                    <a16:rowId xmlns:a16="http://schemas.microsoft.com/office/drawing/2014/main" val="714423786"/>
+                  </a:ext>
+                </a:extLst>
+              </a:tr>
+              <a:tr h="370840">
+                <a:tc>
+                  <a:txBody>
+                    <a:bodyPr/>
+                    <a:lstStyle/>
+                    <a:p>
+                      <a:r>
+                        <a:rPr lang="en-US" dirty="0"/>
+                        <a:t>100</a:t>
+                      </a:r>
+                    </a:p>
+                  </a:txBody>
+                  <a:tcPr/>
+                </a:tc>
+                <a:tc>
+                  <a:txBody>
+                    <a:bodyPr/>
+                    <a:lstStyle/>
+                    <a:p>
+                      <a:endParaRPr lang="en-US" dirty="0"/>
+                    </a:p>
+                  </a:txBody>
+                  <a:tcPr/>
+                </a:tc>
+                <a:extLst>
+                  <a:ext uri="{0D108BD9-81ED-4DB2-BD59-A6C34878D82A}">
+                    <a16:rowId xmlns:a16="http://schemas.microsoft.com/office/drawing/2014/main" val="968309942"/>
+                  </a:ext>
+                </a:extLst>
+              </a:tr>
+              <a:tr h="370840">
+                <a:tc>
+                  <a:txBody>
+                    <a:bodyPr/>
+                    <a:lstStyle/>
+                    <a:p>
+                      <a:r>
+                        <a:rPr lang="en-US" dirty="0"/>
+                        <a:t>500</a:t>
+                      </a:r>
+                    </a:p>
+                  </a:txBody>
+                  <a:tcPr/>
+                </a:tc>
+                <a:tc>
+                  <a:txBody>
+                    <a:bodyPr/>
+                    <a:lstStyle/>
+                    <a:p>
+                      <a:endParaRPr lang="en-US" dirty="0"/>
+                    </a:p>
+                  </a:txBody>
+                  <a:tcPr/>
+                </a:tc>
+                <a:extLst>
+                  <a:ext uri="{0D108BD9-81ED-4DB2-BD59-A6C34878D82A}">
+                    <a16:rowId xmlns:a16="http://schemas.microsoft.com/office/drawing/2014/main" val="4123546818"/>
+                  </a:ext>
+                </a:extLst>
+              </a:tr>
+              <a:tr h="370840">
+                <a:tc>
+                  <a:txBody>
+                    <a:bodyPr/>
+                    <a:lstStyle/>
+                    <a:p>
+                      <a:r>
+                        <a:rPr lang="en-US" dirty="0"/>
+                        <a:t>1000</a:t>
+                      </a:r>
+                    </a:p>
+                  </a:txBody>
+                  <a:tcPr/>
+                </a:tc>
+                <a:tc>
+                  <a:txBody>
+                    <a:bodyPr/>
+                    <a:lstStyle/>
+                    <a:p>
+                      <a:endParaRPr lang="en-US" dirty="0"/>
+                    </a:p>
+                  </a:txBody>
+                  <a:tcPr/>
+                </a:tc>
+                <a:extLst>
+                  <a:ext uri="{0D108BD9-81ED-4DB2-BD59-A6C34878D82A}">
+                    <a16:rowId xmlns:a16="http://schemas.microsoft.com/office/drawing/2014/main" val="3389735121"/>
+                  </a:ext>
+                </a:extLst>
+              </a:tr>
+            </a:tbl>
+          </a:graphicData>
+        </a:graphic>
+      </p:graphicFrame>
+      <p:sp>
+        <p:nvSpPr>
+          <p:cNvPr id="6" name="TextBox 5">
+            <a:extLst>
+              <a:ext uri="{FF2B5EF4-FFF2-40B4-BE49-F238E27FC236}">
+                <a16:creationId xmlns:a16="http://schemas.microsoft.com/office/drawing/2014/main" id="{5F236CC5-8350-46A9-81EA-68241E334F6D}"/>
+              </a:ext>
+            </a:extLst>
+          </p:cNvPr>
+          <p:cNvSpPr txBox="1"/>
+          <p:nvPr/>
+        </p:nvSpPr>
+        <p:spPr>
+          <a:xfrm>
+            <a:off x="5815780" y="1321356"/>
+            <a:ext cx="914400" cy="369332"/>
+          </a:xfrm>
+          <a:prstGeom prst="rect">
+            <a:avLst/>
+          </a:prstGeom>
+          <a:noFill/>
+        </p:spPr>
+        <p:txBody>
+          <a:bodyPr wrap="square" rtlCol="0">
+            <a:spAutoFit/>
           </a:bodyPr>
           <a:lstStyle/>
           <a:p>
             <a:r>
               <a:rPr lang="en-US" dirty="0"/>
-              <a:t>Simulations of small size, but large number of segments</a:t>
-            </a:r>
-          </a:p>
-          <a:p>
-            <a:pPr lvl="1"/>
+              <a:t>s=0</a:t>
+            </a:r>
+          </a:p>
+        </p:txBody>
+      </p:sp>
+      <p:sp>
+        <p:nvSpPr>
+          <p:cNvPr id="8" name="TextBox 7">
+            <a:extLst>
+              <a:ext uri="{FF2B5EF4-FFF2-40B4-BE49-F238E27FC236}">
+                <a16:creationId xmlns:a16="http://schemas.microsoft.com/office/drawing/2014/main" id="{CDF96478-6153-4AAC-BCFF-08443C987F2D}"/>
+              </a:ext>
+            </a:extLst>
+          </p:cNvPr>
+          <p:cNvSpPr txBox="1"/>
+          <p:nvPr/>
+        </p:nvSpPr>
+        <p:spPr>
+          <a:xfrm>
+            <a:off x="5815780" y="4027905"/>
+            <a:ext cx="914400" cy="369332"/>
+          </a:xfrm>
+          <a:prstGeom prst="rect">
+            <a:avLst/>
+          </a:prstGeom>
+          <a:noFill/>
+        </p:spPr>
+        <p:txBody>
+          <a:bodyPr wrap="square" rtlCol="0">
+            <a:spAutoFit/>
+          </a:bodyPr>
+          <a:lstStyle/>
+          <a:p>
             <a:r>
               <a:rPr lang="en-US" dirty="0"/>
-              <a:t>100 base pairs per independent region, recombination = 0</a:t>
-            </a:r>
-          </a:p>
-          <a:p>
-            <a:r>
-              <a:rPr lang="en-US" dirty="0"/>
-              <a:t>Use more reasonable s, i.e., s=-0.01 or s=-0.1, or even s=-0.001</a:t>
-            </a:r>
-          </a:p>
-          <a:p>
-            <a:r>
-              <a:rPr lang="en-US" dirty="0"/>
-              <a:t>Simulate with s=0 as possible baseline / null</a:t>
-            </a:r>
-          </a:p>
-          <a:p>
-            <a:r>
-              <a:rPr lang="en-US" dirty="0"/>
-              <a:t>Fisher’s Exact Test for Hardy-</a:t>
-            </a:r>
-            <a:r>
-              <a:rPr lang="en-US" dirty="0" err="1"/>
-              <a:t>Weinburg</a:t>
-            </a:r>
-            <a:endParaRPr lang="en-US" dirty="0"/>
-          </a:p>
-          <a:p>
-            <a:pPr lvl="1"/>
-            <a:r>
-              <a:rPr lang="en-US" dirty="0"/>
-              <a:t>Throw out singletons, since they are uninformative</a:t>
-            </a:r>
-          </a:p>
-          <a:p>
-            <a:pPr lvl="1"/>
-            <a:r>
-              <a:rPr lang="en-US" dirty="0"/>
-              <a:t>Should help out multiple-hypothesis burden</a:t>
-            </a:r>
-          </a:p>
-          <a:p>
-            <a:r>
-              <a:rPr lang="en-US" dirty="0"/>
-              <a:t>Apply test for each SNP</a:t>
-            </a:r>
-          </a:p>
-          <a:p>
-            <a:r>
-              <a:rPr lang="en-US" dirty="0"/>
-              <a:t>Make </a:t>
-            </a:r>
-            <a:r>
-              <a:rPr lang="en-US" dirty="0" err="1"/>
-              <a:t>qq</a:t>
-            </a:r>
-            <a:r>
-              <a:rPr lang="en-US" dirty="0"/>
-              <a:t>-plot of p-values</a:t>
-            </a:r>
-          </a:p>
-          <a:p>
-            <a:r>
-              <a:rPr lang="en-US" dirty="0"/>
-              <a:t>Compare additive and neutral simulation (this was neutral)</a:t>
-            </a:r>
-          </a:p>
-          <a:p>
-            <a:r>
-              <a:rPr lang="en-US" dirty="0"/>
-              <a:t>Conditional on allele count, compute probability of homozygotes</a:t>
-            </a:r>
-          </a:p>
-          <a:p>
-            <a:r>
-              <a:rPr lang="en-US" dirty="0"/>
-              <a:t>Read </a:t>
-            </a:r>
-            <a:r>
-              <a:rPr lang="en-US" dirty="0" err="1"/>
-              <a:t>Rohlfs</a:t>
-            </a:r>
-            <a:r>
-              <a:rPr lang="en-US" dirty="0"/>
-              <a:t> paper</a:t>
-            </a:r>
-          </a:p>
-          <a:p>
-            <a:endParaRPr lang="en-US" dirty="0"/>
+              <a:t>s=-0.1</a:t>
+            </a:r>
           </a:p>
         </p:txBody>
       </p:sp>
     </p:spTree>
     <p:extLst>
       <p:ext uri="{BB962C8B-B14F-4D97-AF65-F5344CB8AC3E}">
-        <p14:creationId xmlns:p14="http://schemas.microsoft.com/office/powerpoint/2010/main" val="1372927149"/>
+        <p14:creationId xmlns:p14="http://schemas.microsoft.com/office/powerpoint/2010/main" val="179401225"/>
       </p:ext>
     </p:extLst>
   </p:cSld>
@@ -5112,7 +6207,7 @@
           <p:cNvPr id="2" name="Title 1">
             <a:extLst>
               <a:ext uri="{FF2B5EF4-FFF2-40B4-BE49-F238E27FC236}">
-                <a16:creationId xmlns:a16="http://schemas.microsoft.com/office/drawing/2014/main" id="{1DA4FD9C-0575-4672-BDCF-805449EFAC7C}"/>
+                <a16:creationId xmlns:a16="http://schemas.microsoft.com/office/drawing/2014/main" id="{75DEF2C1-984C-4FD8-8F85-6A3DF6B272CF}"/>
               </a:ext>
             </a:extLst>
           </p:cNvPr>
@@ -5130,138 +6225,1125 @@
           <a:p>
             <a:r>
               <a:rPr lang="en-US" dirty="0"/>
-              <a:t>//TODO</a:t>
-            </a:r>
-          </a:p>
-        </p:txBody>
-      </p:sp>
-      <p:sp>
-        <p:nvSpPr>
-          <p:cNvPr id="3" name="Content Placeholder 2">
-            <a:extLst>
-              <a:ext uri="{FF2B5EF4-FFF2-40B4-BE49-F238E27FC236}">
-                <a16:creationId xmlns:a16="http://schemas.microsoft.com/office/drawing/2014/main" id="{B7017510-3A51-4778-BB7F-0F91AE0D6F96}"/>
-              </a:ext>
-            </a:extLst>
-          </p:cNvPr>
-          <p:cNvSpPr>
-            <a:spLocks noGrp="1"/>
-          </p:cNvSpPr>
+              <a:t>Results (purely recessive)</a:t>
+            </a:r>
+          </a:p>
+        </p:txBody>
+      </p:sp>
+      <p:graphicFrame>
+        <p:nvGraphicFramePr>
+          <p:cNvPr id="4" name="Table 4">
+            <a:extLst>
+              <a:ext uri="{FF2B5EF4-FFF2-40B4-BE49-F238E27FC236}">
+                <a16:creationId xmlns:a16="http://schemas.microsoft.com/office/drawing/2014/main" id="{1FC06213-A66F-4BB2-8A7F-8649DB13576C}"/>
+              </a:ext>
+            </a:extLst>
+          </p:cNvPr>
+          <p:cNvGraphicFramePr>
+            <a:graphicFrameLocks noGrp="1"/>
+          </p:cNvGraphicFramePr>
           <p:nvPr>
             <p:ph idx="1"/>
           </p:nvPr>
-        </p:nvSpPr>
-        <p:spPr/>
-        <p:txBody>
-          <a:bodyPr>
-            <a:normAutofit fontScale="85000" lnSpcReduction="20000"/>
+        </p:nvGraphicFramePr>
+        <p:xfrm>
+          <a:off x="838200" y="1690688"/>
+          <a:ext cx="10515600" cy="2225040"/>
+        </p:xfrm>
+        <a:graphic>
+          <a:graphicData uri="http://schemas.openxmlformats.org/drawingml/2006/table">
+            <a:tbl>
+              <a:tblPr firstRow="1" bandRow="1">
+                <a:tableStyleId>{073A0DAA-6AF3-43AB-8588-CEC1D06C72B9}</a:tableStyleId>
+              </a:tblPr>
+              <a:tblGrid>
+                <a:gridCol w="5257800">
+                  <a:extLst>
+                    <a:ext uri="{9D8B030D-6E8A-4147-A177-3AD203B41FA5}">
+                      <a16:colId xmlns:a16="http://schemas.microsoft.com/office/drawing/2014/main" val="1358078944"/>
+                    </a:ext>
+                  </a:extLst>
+                </a:gridCol>
+                <a:gridCol w="5257800">
+                  <a:extLst>
+                    <a:ext uri="{9D8B030D-6E8A-4147-A177-3AD203B41FA5}">
+                      <a16:colId xmlns:a16="http://schemas.microsoft.com/office/drawing/2014/main" val="2553709813"/>
+                    </a:ext>
+                  </a:extLst>
+                </a:gridCol>
+              </a:tblGrid>
+              <a:tr h="370840">
+                <a:tc>
+                  <a:txBody>
+                    <a:bodyPr/>
+                    <a:lstStyle/>
+                    <a:p>
+                      <a:r>
+                        <a:rPr lang="en-US" dirty="0"/>
+                        <a:t>Sample size</a:t>
+                      </a:r>
+                    </a:p>
+                  </a:txBody>
+                  <a:tcPr/>
+                </a:tc>
+                <a:tc>
+                  <a:txBody>
+                    <a:bodyPr/>
+                    <a:lstStyle/>
+                    <a:p>
+                      <a:r>
+                        <a:rPr lang="en-US" dirty="0"/>
+                        <a:t>Minimum p-value</a:t>
+                      </a:r>
+                    </a:p>
+                  </a:txBody>
+                  <a:tcPr/>
+                </a:tc>
+                <a:extLst>
+                  <a:ext uri="{0D108BD9-81ED-4DB2-BD59-A6C34878D82A}">
+                    <a16:rowId xmlns:a16="http://schemas.microsoft.com/office/drawing/2014/main" val="3936677262"/>
+                  </a:ext>
+                </a:extLst>
+              </a:tr>
+              <a:tr h="370840">
+                <a:tc>
+                  <a:txBody>
+                    <a:bodyPr/>
+                    <a:lstStyle/>
+                    <a:p>
+                      <a:r>
+                        <a:rPr lang="en-US" dirty="0"/>
+                        <a:t>10</a:t>
+                      </a:r>
+                    </a:p>
+                  </a:txBody>
+                  <a:tcPr/>
+                </a:tc>
+                <a:tc>
+                  <a:txBody>
+                    <a:bodyPr/>
+                    <a:lstStyle/>
+                    <a:p>
+                      <a:endParaRPr lang="en-US" dirty="0"/>
+                    </a:p>
+                  </a:txBody>
+                  <a:tcPr/>
+                </a:tc>
+                <a:extLst>
+                  <a:ext uri="{0D108BD9-81ED-4DB2-BD59-A6C34878D82A}">
+                    <a16:rowId xmlns:a16="http://schemas.microsoft.com/office/drawing/2014/main" val="1192190756"/>
+                  </a:ext>
+                </a:extLst>
+              </a:tr>
+              <a:tr h="370840">
+                <a:tc>
+                  <a:txBody>
+                    <a:bodyPr/>
+                    <a:lstStyle/>
+                    <a:p>
+                      <a:r>
+                        <a:rPr lang="en-US" dirty="0"/>
+                        <a:t>50</a:t>
+                      </a:r>
+                    </a:p>
+                  </a:txBody>
+                  <a:tcPr/>
+                </a:tc>
+                <a:tc>
+                  <a:txBody>
+                    <a:bodyPr/>
+                    <a:lstStyle/>
+                    <a:p>
+                      <a:endParaRPr lang="en-US" dirty="0"/>
+                    </a:p>
+                  </a:txBody>
+                  <a:tcPr/>
+                </a:tc>
+                <a:extLst>
+                  <a:ext uri="{0D108BD9-81ED-4DB2-BD59-A6C34878D82A}">
+                    <a16:rowId xmlns:a16="http://schemas.microsoft.com/office/drawing/2014/main" val="714423786"/>
+                  </a:ext>
+                </a:extLst>
+              </a:tr>
+              <a:tr h="370840">
+                <a:tc>
+                  <a:txBody>
+                    <a:bodyPr/>
+                    <a:lstStyle/>
+                    <a:p>
+                      <a:r>
+                        <a:rPr lang="en-US" dirty="0"/>
+                        <a:t>100</a:t>
+                      </a:r>
+                    </a:p>
+                  </a:txBody>
+                  <a:tcPr/>
+                </a:tc>
+                <a:tc>
+                  <a:txBody>
+                    <a:bodyPr/>
+                    <a:lstStyle/>
+                    <a:p>
+                      <a:endParaRPr lang="en-US" dirty="0"/>
+                    </a:p>
+                  </a:txBody>
+                  <a:tcPr/>
+                </a:tc>
+                <a:extLst>
+                  <a:ext uri="{0D108BD9-81ED-4DB2-BD59-A6C34878D82A}">
+                    <a16:rowId xmlns:a16="http://schemas.microsoft.com/office/drawing/2014/main" val="968309942"/>
+                  </a:ext>
+                </a:extLst>
+              </a:tr>
+              <a:tr h="370840">
+                <a:tc>
+                  <a:txBody>
+                    <a:bodyPr/>
+                    <a:lstStyle/>
+                    <a:p>
+                      <a:r>
+                        <a:rPr lang="en-US" dirty="0"/>
+                        <a:t>500</a:t>
+                      </a:r>
+                    </a:p>
+                  </a:txBody>
+                  <a:tcPr/>
+                </a:tc>
+                <a:tc>
+                  <a:txBody>
+                    <a:bodyPr/>
+                    <a:lstStyle/>
+                    <a:p>
+                      <a:endParaRPr lang="en-US" dirty="0"/>
+                    </a:p>
+                  </a:txBody>
+                  <a:tcPr/>
+                </a:tc>
+                <a:extLst>
+                  <a:ext uri="{0D108BD9-81ED-4DB2-BD59-A6C34878D82A}">
+                    <a16:rowId xmlns:a16="http://schemas.microsoft.com/office/drawing/2014/main" val="4123546818"/>
+                  </a:ext>
+                </a:extLst>
+              </a:tr>
+              <a:tr h="370840">
+                <a:tc>
+                  <a:txBody>
+                    <a:bodyPr/>
+                    <a:lstStyle/>
+                    <a:p>
+                      <a:r>
+                        <a:rPr lang="en-US" dirty="0"/>
+                        <a:t>1000</a:t>
+                      </a:r>
+                    </a:p>
+                  </a:txBody>
+                  <a:tcPr/>
+                </a:tc>
+                <a:tc>
+                  <a:txBody>
+                    <a:bodyPr/>
+                    <a:lstStyle/>
+                    <a:p>
+                      <a:endParaRPr lang="en-US" dirty="0"/>
+                    </a:p>
+                  </a:txBody>
+                  <a:tcPr/>
+                </a:tc>
+                <a:extLst>
+                  <a:ext uri="{0D108BD9-81ED-4DB2-BD59-A6C34878D82A}">
+                    <a16:rowId xmlns:a16="http://schemas.microsoft.com/office/drawing/2014/main" val="3389735121"/>
+                  </a:ext>
+                </a:extLst>
+              </a:tr>
+            </a:tbl>
+          </a:graphicData>
+        </a:graphic>
+      </p:graphicFrame>
+      <p:graphicFrame>
+        <p:nvGraphicFramePr>
+          <p:cNvPr id="5" name="Table 4">
+            <a:extLst>
+              <a:ext uri="{FF2B5EF4-FFF2-40B4-BE49-F238E27FC236}">
+                <a16:creationId xmlns:a16="http://schemas.microsoft.com/office/drawing/2014/main" id="{E73B03B9-BEEB-4EE2-9273-C61F50EF61EF}"/>
+              </a:ext>
+            </a:extLst>
+          </p:cNvPr>
+          <p:cNvGraphicFramePr>
+            <a:graphicFrameLocks/>
+          </p:cNvGraphicFramePr>
+          <p:nvPr/>
+        </p:nvGraphicFramePr>
+        <p:xfrm>
+          <a:off x="838200" y="4458474"/>
+          <a:ext cx="10515600" cy="2225040"/>
+        </p:xfrm>
+        <a:graphic>
+          <a:graphicData uri="http://schemas.openxmlformats.org/drawingml/2006/table">
+            <a:tbl>
+              <a:tblPr firstRow="1" bandRow="1">
+                <a:tableStyleId>{073A0DAA-6AF3-43AB-8588-CEC1D06C72B9}</a:tableStyleId>
+              </a:tblPr>
+              <a:tblGrid>
+                <a:gridCol w="5257800">
+                  <a:extLst>
+                    <a:ext uri="{9D8B030D-6E8A-4147-A177-3AD203B41FA5}">
+                      <a16:colId xmlns:a16="http://schemas.microsoft.com/office/drawing/2014/main" val="1358078944"/>
+                    </a:ext>
+                  </a:extLst>
+                </a:gridCol>
+                <a:gridCol w="5257800">
+                  <a:extLst>
+                    <a:ext uri="{9D8B030D-6E8A-4147-A177-3AD203B41FA5}">
+                      <a16:colId xmlns:a16="http://schemas.microsoft.com/office/drawing/2014/main" val="2553709813"/>
+                    </a:ext>
+                  </a:extLst>
+                </a:gridCol>
+              </a:tblGrid>
+              <a:tr h="370840">
+                <a:tc>
+                  <a:txBody>
+                    <a:bodyPr/>
+                    <a:lstStyle/>
+                    <a:p>
+                      <a:r>
+                        <a:rPr lang="en-US" dirty="0"/>
+                        <a:t>Sample size</a:t>
+                      </a:r>
+                    </a:p>
+                  </a:txBody>
+                  <a:tcPr/>
+                </a:tc>
+                <a:tc>
+                  <a:txBody>
+                    <a:bodyPr/>
+                    <a:lstStyle/>
+                    <a:p>
+                      <a:r>
+                        <a:rPr lang="en-US" dirty="0"/>
+                        <a:t>Minimum p-value</a:t>
+                      </a:r>
+                    </a:p>
+                  </a:txBody>
+                  <a:tcPr/>
+                </a:tc>
+                <a:extLst>
+                  <a:ext uri="{0D108BD9-81ED-4DB2-BD59-A6C34878D82A}">
+                    <a16:rowId xmlns:a16="http://schemas.microsoft.com/office/drawing/2014/main" val="3936677262"/>
+                  </a:ext>
+                </a:extLst>
+              </a:tr>
+              <a:tr h="370840">
+                <a:tc>
+                  <a:txBody>
+                    <a:bodyPr/>
+                    <a:lstStyle/>
+                    <a:p>
+                      <a:r>
+                        <a:rPr lang="en-US" dirty="0"/>
+                        <a:t>10</a:t>
+                      </a:r>
+                    </a:p>
+                  </a:txBody>
+                  <a:tcPr/>
+                </a:tc>
+                <a:tc>
+                  <a:txBody>
+                    <a:bodyPr/>
+                    <a:lstStyle/>
+                    <a:p>
+                      <a:endParaRPr lang="en-US" dirty="0"/>
+                    </a:p>
+                  </a:txBody>
+                  <a:tcPr/>
+                </a:tc>
+                <a:extLst>
+                  <a:ext uri="{0D108BD9-81ED-4DB2-BD59-A6C34878D82A}">
+                    <a16:rowId xmlns:a16="http://schemas.microsoft.com/office/drawing/2014/main" val="1192190756"/>
+                  </a:ext>
+                </a:extLst>
+              </a:tr>
+              <a:tr h="370840">
+                <a:tc>
+                  <a:txBody>
+                    <a:bodyPr/>
+                    <a:lstStyle/>
+                    <a:p>
+                      <a:r>
+                        <a:rPr lang="en-US" dirty="0"/>
+                        <a:t>50</a:t>
+                      </a:r>
+                    </a:p>
+                  </a:txBody>
+                  <a:tcPr/>
+                </a:tc>
+                <a:tc>
+                  <a:txBody>
+                    <a:bodyPr/>
+                    <a:lstStyle/>
+                    <a:p>
+                      <a:endParaRPr lang="en-US" dirty="0"/>
+                    </a:p>
+                  </a:txBody>
+                  <a:tcPr/>
+                </a:tc>
+                <a:extLst>
+                  <a:ext uri="{0D108BD9-81ED-4DB2-BD59-A6C34878D82A}">
+                    <a16:rowId xmlns:a16="http://schemas.microsoft.com/office/drawing/2014/main" val="714423786"/>
+                  </a:ext>
+                </a:extLst>
+              </a:tr>
+              <a:tr h="370840">
+                <a:tc>
+                  <a:txBody>
+                    <a:bodyPr/>
+                    <a:lstStyle/>
+                    <a:p>
+                      <a:r>
+                        <a:rPr lang="en-US" dirty="0"/>
+                        <a:t>100</a:t>
+                      </a:r>
+                    </a:p>
+                  </a:txBody>
+                  <a:tcPr/>
+                </a:tc>
+                <a:tc>
+                  <a:txBody>
+                    <a:bodyPr/>
+                    <a:lstStyle/>
+                    <a:p>
+                      <a:endParaRPr lang="en-US" dirty="0"/>
+                    </a:p>
+                  </a:txBody>
+                  <a:tcPr/>
+                </a:tc>
+                <a:extLst>
+                  <a:ext uri="{0D108BD9-81ED-4DB2-BD59-A6C34878D82A}">
+                    <a16:rowId xmlns:a16="http://schemas.microsoft.com/office/drawing/2014/main" val="968309942"/>
+                  </a:ext>
+                </a:extLst>
+              </a:tr>
+              <a:tr h="370840">
+                <a:tc>
+                  <a:txBody>
+                    <a:bodyPr/>
+                    <a:lstStyle/>
+                    <a:p>
+                      <a:r>
+                        <a:rPr lang="en-US" dirty="0"/>
+                        <a:t>500</a:t>
+                      </a:r>
+                    </a:p>
+                  </a:txBody>
+                  <a:tcPr/>
+                </a:tc>
+                <a:tc>
+                  <a:txBody>
+                    <a:bodyPr/>
+                    <a:lstStyle/>
+                    <a:p>
+                      <a:endParaRPr lang="en-US" dirty="0"/>
+                    </a:p>
+                  </a:txBody>
+                  <a:tcPr/>
+                </a:tc>
+                <a:extLst>
+                  <a:ext uri="{0D108BD9-81ED-4DB2-BD59-A6C34878D82A}">
+                    <a16:rowId xmlns:a16="http://schemas.microsoft.com/office/drawing/2014/main" val="4123546818"/>
+                  </a:ext>
+                </a:extLst>
+              </a:tr>
+              <a:tr h="370840">
+                <a:tc>
+                  <a:txBody>
+                    <a:bodyPr/>
+                    <a:lstStyle/>
+                    <a:p>
+                      <a:r>
+                        <a:rPr lang="en-US" dirty="0"/>
+                        <a:t>1000</a:t>
+                      </a:r>
+                    </a:p>
+                  </a:txBody>
+                  <a:tcPr/>
+                </a:tc>
+                <a:tc>
+                  <a:txBody>
+                    <a:bodyPr/>
+                    <a:lstStyle/>
+                    <a:p>
+                      <a:endParaRPr lang="en-US" dirty="0"/>
+                    </a:p>
+                  </a:txBody>
+                  <a:tcPr/>
+                </a:tc>
+                <a:extLst>
+                  <a:ext uri="{0D108BD9-81ED-4DB2-BD59-A6C34878D82A}">
+                    <a16:rowId xmlns:a16="http://schemas.microsoft.com/office/drawing/2014/main" val="3389735121"/>
+                  </a:ext>
+                </a:extLst>
+              </a:tr>
+            </a:tbl>
+          </a:graphicData>
+        </a:graphic>
+      </p:graphicFrame>
+      <p:sp>
+        <p:nvSpPr>
+          <p:cNvPr id="6" name="TextBox 5">
+            <a:extLst>
+              <a:ext uri="{FF2B5EF4-FFF2-40B4-BE49-F238E27FC236}">
+                <a16:creationId xmlns:a16="http://schemas.microsoft.com/office/drawing/2014/main" id="{5F236CC5-8350-46A9-81EA-68241E334F6D}"/>
+              </a:ext>
+            </a:extLst>
+          </p:cNvPr>
+          <p:cNvSpPr txBox="1"/>
+          <p:nvPr/>
+        </p:nvSpPr>
+        <p:spPr>
+          <a:xfrm>
+            <a:off x="5815780" y="1321356"/>
+            <a:ext cx="914400" cy="369332"/>
+          </a:xfrm>
+          <a:prstGeom prst="rect">
+            <a:avLst/>
+          </a:prstGeom>
+          <a:noFill/>
+        </p:spPr>
+        <p:txBody>
+          <a:bodyPr wrap="square" rtlCol="0">
+            <a:spAutoFit/>
           </a:bodyPr>
           <a:lstStyle/>
           <a:p>
             <a:r>
               <a:rPr lang="en-US" dirty="0"/>
-              <a:t>Simulations of small size, but large number of segments</a:t>
-            </a:r>
-          </a:p>
-          <a:p>
-            <a:pPr lvl="1"/>
+              <a:t>s=-0.01</a:t>
+            </a:r>
+          </a:p>
+        </p:txBody>
+      </p:sp>
+      <p:sp>
+        <p:nvSpPr>
+          <p:cNvPr id="8" name="TextBox 7">
+            <a:extLst>
+              <a:ext uri="{FF2B5EF4-FFF2-40B4-BE49-F238E27FC236}">
+                <a16:creationId xmlns:a16="http://schemas.microsoft.com/office/drawing/2014/main" id="{CDF96478-6153-4AAC-BCFF-08443C987F2D}"/>
+              </a:ext>
+            </a:extLst>
+          </p:cNvPr>
+          <p:cNvSpPr txBox="1"/>
+          <p:nvPr/>
+        </p:nvSpPr>
+        <p:spPr>
+          <a:xfrm>
+            <a:off x="5815779" y="4027905"/>
+            <a:ext cx="1096297" cy="369332"/>
+          </a:xfrm>
+          <a:prstGeom prst="rect">
+            <a:avLst/>
+          </a:prstGeom>
+          <a:noFill/>
+        </p:spPr>
+        <p:txBody>
+          <a:bodyPr wrap="square" rtlCol="0">
+            <a:spAutoFit/>
+          </a:bodyPr>
+          <a:lstStyle/>
+          <a:p>
             <a:r>
               <a:rPr lang="en-US" dirty="0"/>
-              <a:t>100 base pairs per independent region, recombination = 0</a:t>
-            </a:r>
-          </a:p>
-          <a:p>
-            <a:r>
-              <a:rPr lang="en-US" dirty="0"/>
-              <a:t>Use more reasonable s, i.e., s=-0.01 or s=-0.1, or even s=-0.001</a:t>
-            </a:r>
-          </a:p>
-          <a:p>
-            <a:r>
-              <a:rPr lang="en-US" dirty="0"/>
-              <a:t>Simulate with s=0 as possible baseline / null</a:t>
-            </a:r>
-          </a:p>
-          <a:p>
-            <a:r>
-              <a:rPr lang="en-US" dirty="0"/>
-              <a:t>Fisher’s Exact Test for Hardy-</a:t>
-            </a:r>
-            <a:r>
-              <a:rPr lang="en-US" dirty="0" err="1"/>
-              <a:t>Weinburg</a:t>
-            </a:r>
-            <a:endParaRPr lang="en-US" dirty="0"/>
-          </a:p>
-          <a:p>
-            <a:pPr lvl="1"/>
-            <a:r>
-              <a:rPr lang="en-US" dirty="0"/>
-              <a:t>Throw out singletons, since they are uninformative</a:t>
-            </a:r>
-          </a:p>
-          <a:p>
-            <a:pPr lvl="1"/>
-            <a:r>
-              <a:rPr lang="en-US" dirty="0"/>
-              <a:t>Should help out multiple-hypothesis burden</a:t>
-            </a:r>
-          </a:p>
-          <a:p>
-            <a:r>
-              <a:rPr lang="en-US" dirty="0"/>
-              <a:t>Apply test for each SNP</a:t>
-            </a:r>
-          </a:p>
-          <a:p>
-            <a:r>
-              <a:rPr lang="en-US" dirty="0"/>
-              <a:t>Make </a:t>
-            </a:r>
-            <a:r>
-              <a:rPr lang="en-US" dirty="0" err="1"/>
-              <a:t>qq</a:t>
-            </a:r>
-            <a:r>
-              <a:rPr lang="en-US" dirty="0"/>
-              <a:t>-plot of p-values</a:t>
-            </a:r>
-          </a:p>
-          <a:p>
-            <a:r>
-              <a:rPr lang="en-US" dirty="0"/>
-              <a:t>Compare additive and neutral simulation (this was neutral)</a:t>
-            </a:r>
-          </a:p>
-          <a:p>
-            <a:r>
-              <a:rPr lang="en-US" dirty="0"/>
-              <a:t>Conditional on allele count, compute probability of homozygotes</a:t>
-            </a:r>
-          </a:p>
-          <a:p>
-            <a:r>
-              <a:rPr lang="en-US" dirty="0"/>
-              <a:t>Read </a:t>
-            </a:r>
-            <a:r>
-              <a:rPr lang="en-US" dirty="0" err="1"/>
-              <a:t>Rohlfs</a:t>
-            </a:r>
-            <a:r>
-              <a:rPr lang="en-US" dirty="0"/>
-              <a:t> paper</a:t>
-            </a:r>
-          </a:p>
-          <a:p>
-            <a:endParaRPr lang="en-US" dirty="0"/>
+              <a:t>s=-0.001</a:t>
+            </a:r>
           </a:p>
         </p:txBody>
       </p:sp>
     </p:spTree>
     <p:extLst>
       <p:ext uri="{BB962C8B-B14F-4D97-AF65-F5344CB8AC3E}">
-        <p14:creationId xmlns:p14="http://schemas.microsoft.com/office/powerpoint/2010/main" val="466745264"/>
+        <p14:creationId xmlns:p14="http://schemas.microsoft.com/office/powerpoint/2010/main" val="3964321225"/>
+      </p:ext>
+    </p:extLst>
+  </p:cSld>
+  <p:clrMapOvr>
+    <a:masterClrMapping/>
+  </p:clrMapOvr>
+</p:sld>
+</file>
+
+<file path=ppt/slides/slide9.xml><?xml version="1.0" encoding="utf-8"?>
+<p:sld xmlns:a="http://schemas.openxmlformats.org/drawingml/2006/main" xmlns:r="http://schemas.openxmlformats.org/officeDocument/2006/relationships" xmlns:p="http://schemas.openxmlformats.org/presentationml/2006/main">
+  <p:cSld>
+    <p:spTree>
+      <p:nvGrpSpPr>
+        <p:cNvPr id="1" name=""/>
+        <p:cNvGrpSpPr/>
+        <p:nvPr/>
+      </p:nvGrpSpPr>
+      <p:grpSpPr>
+        <a:xfrm>
+          <a:off x="0" y="0"/>
+          <a:ext cx="0" cy="0"/>
+          <a:chOff x="0" y="0"/>
+          <a:chExt cx="0" cy="0"/>
+        </a:xfrm>
+      </p:grpSpPr>
+      <p:sp>
+        <p:nvSpPr>
+          <p:cNvPr id="2" name="Title 1">
+            <a:extLst>
+              <a:ext uri="{FF2B5EF4-FFF2-40B4-BE49-F238E27FC236}">
+                <a16:creationId xmlns:a16="http://schemas.microsoft.com/office/drawing/2014/main" id="{75DEF2C1-984C-4FD8-8F85-6A3DF6B272CF}"/>
+              </a:ext>
+            </a:extLst>
+          </p:cNvPr>
+          <p:cNvSpPr>
+            <a:spLocks noGrp="1"/>
+          </p:cNvSpPr>
+          <p:nvPr>
+            <p:ph type="title"/>
+          </p:nvPr>
+        </p:nvSpPr>
+        <p:spPr/>
+        <p:txBody>
+          <a:bodyPr/>
+          <a:lstStyle/>
+          <a:p>
+            <a:r>
+              <a:rPr lang="en-US" dirty="0"/>
+              <a:t>Results (additive)</a:t>
+            </a:r>
+          </a:p>
+        </p:txBody>
+      </p:sp>
+      <p:graphicFrame>
+        <p:nvGraphicFramePr>
+          <p:cNvPr id="4" name="Table 4">
+            <a:extLst>
+              <a:ext uri="{FF2B5EF4-FFF2-40B4-BE49-F238E27FC236}">
+                <a16:creationId xmlns:a16="http://schemas.microsoft.com/office/drawing/2014/main" id="{1FC06213-A66F-4BB2-8A7F-8649DB13576C}"/>
+              </a:ext>
+            </a:extLst>
+          </p:cNvPr>
+          <p:cNvGraphicFramePr>
+            <a:graphicFrameLocks noGrp="1"/>
+          </p:cNvGraphicFramePr>
+          <p:nvPr>
+            <p:ph idx="1"/>
+          </p:nvPr>
+        </p:nvGraphicFramePr>
+        <p:xfrm>
+          <a:off x="838200" y="1690688"/>
+          <a:ext cx="10515600" cy="2225040"/>
+        </p:xfrm>
+        <a:graphic>
+          <a:graphicData uri="http://schemas.openxmlformats.org/drawingml/2006/table">
+            <a:tbl>
+              <a:tblPr firstRow="1" bandRow="1">
+                <a:tableStyleId>{073A0DAA-6AF3-43AB-8588-CEC1D06C72B9}</a:tableStyleId>
+              </a:tblPr>
+              <a:tblGrid>
+                <a:gridCol w="5257800">
+                  <a:extLst>
+                    <a:ext uri="{9D8B030D-6E8A-4147-A177-3AD203B41FA5}">
+                      <a16:colId xmlns:a16="http://schemas.microsoft.com/office/drawing/2014/main" val="1358078944"/>
+                    </a:ext>
+                  </a:extLst>
+                </a:gridCol>
+                <a:gridCol w="5257800">
+                  <a:extLst>
+                    <a:ext uri="{9D8B030D-6E8A-4147-A177-3AD203B41FA5}">
+                      <a16:colId xmlns:a16="http://schemas.microsoft.com/office/drawing/2014/main" val="2553709813"/>
+                    </a:ext>
+                  </a:extLst>
+                </a:gridCol>
+              </a:tblGrid>
+              <a:tr h="370840">
+                <a:tc>
+                  <a:txBody>
+                    <a:bodyPr/>
+                    <a:lstStyle/>
+                    <a:p>
+                      <a:r>
+                        <a:rPr lang="en-US" dirty="0"/>
+                        <a:t>Sample size</a:t>
+                      </a:r>
+                    </a:p>
+                  </a:txBody>
+                  <a:tcPr/>
+                </a:tc>
+                <a:tc>
+                  <a:txBody>
+                    <a:bodyPr/>
+                    <a:lstStyle/>
+                    <a:p>
+                      <a:r>
+                        <a:rPr lang="en-US" dirty="0"/>
+                        <a:t>Minimum p-value</a:t>
+                      </a:r>
+                    </a:p>
+                  </a:txBody>
+                  <a:tcPr/>
+                </a:tc>
+                <a:extLst>
+                  <a:ext uri="{0D108BD9-81ED-4DB2-BD59-A6C34878D82A}">
+                    <a16:rowId xmlns:a16="http://schemas.microsoft.com/office/drawing/2014/main" val="3936677262"/>
+                  </a:ext>
+                </a:extLst>
+              </a:tr>
+              <a:tr h="370840">
+                <a:tc>
+                  <a:txBody>
+                    <a:bodyPr/>
+                    <a:lstStyle/>
+                    <a:p>
+                      <a:r>
+                        <a:rPr lang="en-US" dirty="0"/>
+                        <a:t>10</a:t>
+                      </a:r>
+                    </a:p>
+                  </a:txBody>
+                  <a:tcPr/>
+                </a:tc>
+                <a:tc>
+                  <a:txBody>
+                    <a:bodyPr/>
+                    <a:lstStyle/>
+                    <a:p>
+                      <a:endParaRPr lang="en-US" dirty="0"/>
+                    </a:p>
+                  </a:txBody>
+                  <a:tcPr/>
+                </a:tc>
+                <a:extLst>
+                  <a:ext uri="{0D108BD9-81ED-4DB2-BD59-A6C34878D82A}">
+                    <a16:rowId xmlns:a16="http://schemas.microsoft.com/office/drawing/2014/main" val="1192190756"/>
+                  </a:ext>
+                </a:extLst>
+              </a:tr>
+              <a:tr h="370840">
+                <a:tc>
+                  <a:txBody>
+                    <a:bodyPr/>
+                    <a:lstStyle/>
+                    <a:p>
+                      <a:r>
+                        <a:rPr lang="en-US" dirty="0"/>
+                        <a:t>50</a:t>
+                      </a:r>
+                    </a:p>
+                  </a:txBody>
+                  <a:tcPr/>
+                </a:tc>
+                <a:tc>
+                  <a:txBody>
+                    <a:bodyPr/>
+                    <a:lstStyle/>
+                    <a:p>
+                      <a:endParaRPr lang="en-US" dirty="0"/>
+                    </a:p>
+                  </a:txBody>
+                  <a:tcPr/>
+                </a:tc>
+                <a:extLst>
+                  <a:ext uri="{0D108BD9-81ED-4DB2-BD59-A6C34878D82A}">
+                    <a16:rowId xmlns:a16="http://schemas.microsoft.com/office/drawing/2014/main" val="714423786"/>
+                  </a:ext>
+                </a:extLst>
+              </a:tr>
+              <a:tr h="370840">
+                <a:tc>
+                  <a:txBody>
+                    <a:bodyPr/>
+                    <a:lstStyle/>
+                    <a:p>
+                      <a:r>
+                        <a:rPr lang="en-US" dirty="0"/>
+                        <a:t>100</a:t>
+                      </a:r>
+                    </a:p>
+                  </a:txBody>
+                  <a:tcPr/>
+                </a:tc>
+                <a:tc>
+                  <a:txBody>
+                    <a:bodyPr/>
+                    <a:lstStyle/>
+                    <a:p>
+                      <a:endParaRPr lang="en-US" dirty="0"/>
+                    </a:p>
+                  </a:txBody>
+                  <a:tcPr/>
+                </a:tc>
+                <a:extLst>
+                  <a:ext uri="{0D108BD9-81ED-4DB2-BD59-A6C34878D82A}">
+                    <a16:rowId xmlns:a16="http://schemas.microsoft.com/office/drawing/2014/main" val="968309942"/>
+                  </a:ext>
+                </a:extLst>
+              </a:tr>
+              <a:tr h="370840">
+                <a:tc>
+                  <a:txBody>
+                    <a:bodyPr/>
+                    <a:lstStyle/>
+                    <a:p>
+                      <a:r>
+                        <a:rPr lang="en-US" dirty="0"/>
+                        <a:t>500</a:t>
+                      </a:r>
+                    </a:p>
+                  </a:txBody>
+                  <a:tcPr/>
+                </a:tc>
+                <a:tc>
+                  <a:txBody>
+                    <a:bodyPr/>
+                    <a:lstStyle/>
+                    <a:p>
+                      <a:endParaRPr lang="en-US" dirty="0"/>
+                    </a:p>
+                  </a:txBody>
+                  <a:tcPr/>
+                </a:tc>
+                <a:extLst>
+                  <a:ext uri="{0D108BD9-81ED-4DB2-BD59-A6C34878D82A}">
+                    <a16:rowId xmlns:a16="http://schemas.microsoft.com/office/drawing/2014/main" val="4123546818"/>
+                  </a:ext>
+                </a:extLst>
+              </a:tr>
+              <a:tr h="370840">
+                <a:tc>
+                  <a:txBody>
+                    <a:bodyPr/>
+                    <a:lstStyle/>
+                    <a:p>
+                      <a:r>
+                        <a:rPr lang="en-US" dirty="0"/>
+                        <a:t>1000</a:t>
+                      </a:r>
+                    </a:p>
+                  </a:txBody>
+                  <a:tcPr/>
+                </a:tc>
+                <a:tc>
+                  <a:txBody>
+                    <a:bodyPr/>
+                    <a:lstStyle/>
+                    <a:p>
+                      <a:endParaRPr lang="en-US" dirty="0"/>
+                    </a:p>
+                  </a:txBody>
+                  <a:tcPr/>
+                </a:tc>
+                <a:extLst>
+                  <a:ext uri="{0D108BD9-81ED-4DB2-BD59-A6C34878D82A}">
+                    <a16:rowId xmlns:a16="http://schemas.microsoft.com/office/drawing/2014/main" val="3389735121"/>
+                  </a:ext>
+                </a:extLst>
+              </a:tr>
+            </a:tbl>
+          </a:graphicData>
+        </a:graphic>
+      </p:graphicFrame>
+      <p:graphicFrame>
+        <p:nvGraphicFramePr>
+          <p:cNvPr id="5" name="Table 4">
+            <a:extLst>
+              <a:ext uri="{FF2B5EF4-FFF2-40B4-BE49-F238E27FC236}">
+                <a16:creationId xmlns:a16="http://schemas.microsoft.com/office/drawing/2014/main" id="{E73B03B9-BEEB-4EE2-9273-C61F50EF61EF}"/>
+              </a:ext>
+            </a:extLst>
+          </p:cNvPr>
+          <p:cNvGraphicFramePr>
+            <a:graphicFrameLocks/>
+          </p:cNvGraphicFramePr>
+          <p:nvPr/>
+        </p:nvGraphicFramePr>
+        <p:xfrm>
+          <a:off x="838200" y="4458474"/>
+          <a:ext cx="10515600" cy="2225040"/>
+        </p:xfrm>
+        <a:graphic>
+          <a:graphicData uri="http://schemas.openxmlformats.org/drawingml/2006/table">
+            <a:tbl>
+              <a:tblPr firstRow="1" bandRow="1">
+                <a:tableStyleId>{073A0DAA-6AF3-43AB-8588-CEC1D06C72B9}</a:tableStyleId>
+              </a:tblPr>
+              <a:tblGrid>
+                <a:gridCol w="5257800">
+                  <a:extLst>
+                    <a:ext uri="{9D8B030D-6E8A-4147-A177-3AD203B41FA5}">
+                      <a16:colId xmlns:a16="http://schemas.microsoft.com/office/drawing/2014/main" val="1358078944"/>
+                    </a:ext>
+                  </a:extLst>
+                </a:gridCol>
+                <a:gridCol w="5257800">
+                  <a:extLst>
+                    <a:ext uri="{9D8B030D-6E8A-4147-A177-3AD203B41FA5}">
+                      <a16:colId xmlns:a16="http://schemas.microsoft.com/office/drawing/2014/main" val="2553709813"/>
+                    </a:ext>
+                  </a:extLst>
+                </a:gridCol>
+              </a:tblGrid>
+              <a:tr h="370840">
+                <a:tc>
+                  <a:txBody>
+                    <a:bodyPr/>
+                    <a:lstStyle/>
+                    <a:p>
+                      <a:r>
+                        <a:rPr lang="en-US" dirty="0"/>
+                        <a:t>Sample size</a:t>
+                      </a:r>
+                    </a:p>
+                  </a:txBody>
+                  <a:tcPr/>
+                </a:tc>
+                <a:tc>
+                  <a:txBody>
+                    <a:bodyPr/>
+                    <a:lstStyle/>
+                    <a:p>
+                      <a:r>
+                        <a:rPr lang="en-US" dirty="0"/>
+                        <a:t>Minimum p-value</a:t>
+                      </a:r>
+                    </a:p>
+                  </a:txBody>
+                  <a:tcPr/>
+                </a:tc>
+                <a:extLst>
+                  <a:ext uri="{0D108BD9-81ED-4DB2-BD59-A6C34878D82A}">
+                    <a16:rowId xmlns:a16="http://schemas.microsoft.com/office/drawing/2014/main" val="3936677262"/>
+                  </a:ext>
+                </a:extLst>
+              </a:tr>
+              <a:tr h="370840">
+                <a:tc>
+                  <a:txBody>
+                    <a:bodyPr/>
+                    <a:lstStyle/>
+                    <a:p>
+                      <a:r>
+                        <a:rPr lang="en-US" dirty="0"/>
+                        <a:t>10</a:t>
+                      </a:r>
+                    </a:p>
+                  </a:txBody>
+                  <a:tcPr/>
+                </a:tc>
+                <a:tc>
+                  <a:txBody>
+                    <a:bodyPr/>
+                    <a:lstStyle/>
+                    <a:p>
+                      <a:endParaRPr lang="en-US" dirty="0"/>
+                    </a:p>
+                  </a:txBody>
+                  <a:tcPr/>
+                </a:tc>
+                <a:extLst>
+                  <a:ext uri="{0D108BD9-81ED-4DB2-BD59-A6C34878D82A}">
+                    <a16:rowId xmlns:a16="http://schemas.microsoft.com/office/drawing/2014/main" val="1192190756"/>
+                  </a:ext>
+                </a:extLst>
+              </a:tr>
+              <a:tr h="370840">
+                <a:tc>
+                  <a:txBody>
+                    <a:bodyPr/>
+                    <a:lstStyle/>
+                    <a:p>
+                      <a:r>
+                        <a:rPr lang="en-US" dirty="0"/>
+                        <a:t>50</a:t>
+                      </a:r>
+                    </a:p>
+                  </a:txBody>
+                  <a:tcPr/>
+                </a:tc>
+                <a:tc>
+                  <a:txBody>
+                    <a:bodyPr/>
+                    <a:lstStyle/>
+                    <a:p>
+                      <a:endParaRPr lang="en-US" dirty="0"/>
+                    </a:p>
+                  </a:txBody>
+                  <a:tcPr/>
+                </a:tc>
+                <a:extLst>
+                  <a:ext uri="{0D108BD9-81ED-4DB2-BD59-A6C34878D82A}">
+                    <a16:rowId xmlns:a16="http://schemas.microsoft.com/office/drawing/2014/main" val="714423786"/>
+                  </a:ext>
+                </a:extLst>
+              </a:tr>
+              <a:tr h="370840">
+                <a:tc>
+                  <a:txBody>
+                    <a:bodyPr/>
+                    <a:lstStyle/>
+                    <a:p>
+                      <a:r>
+                        <a:rPr lang="en-US" dirty="0"/>
+                        <a:t>100</a:t>
+                      </a:r>
+                    </a:p>
+                  </a:txBody>
+                  <a:tcPr/>
+                </a:tc>
+                <a:tc>
+                  <a:txBody>
+                    <a:bodyPr/>
+                    <a:lstStyle/>
+                    <a:p>
+                      <a:endParaRPr lang="en-US" dirty="0"/>
+                    </a:p>
+                  </a:txBody>
+                  <a:tcPr/>
+                </a:tc>
+                <a:extLst>
+                  <a:ext uri="{0D108BD9-81ED-4DB2-BD59-A6C34878D82A}">
+                    <a16:rowId xmlns:a16="http://schemas.microsoft.com/office/drawing/2014/main" val="968309942"/>
+                  </a:ext>
+                </a:extLst>
+              </a:tr>
+              <a:tr h="370840">
+                <a:tc>
+                  <a:txBody>
+                    <a:bodyPr/>
+                    <a:lstStyle/>
+                    <a:p>
+                      <a:r>
+                        <a:rPr lang="en-US" dirty="0"/>
+                        <a:t>500</a:t>
+                      </a:r>
+                    </a:p>
+                  </a:txBody>
+                  <a:tcPr/>
+                </a:tc>
+                <a:tc>
+                  <a:txBody>
+                    <a:bodyPr/>
+                    <a:lstStyle/>
+                    <a:p>
+                      <a:endParaRPr lang="en-US" dirty="0"/>
+                    </a:p>
+                  </a:txBody>
+                  <a:tcPr/>
+                </a:tc>
+                <a:extLst>
+                  <a:ext uri="{0D108BD9-81ED-4DB2-BD59-A6C34878D82A}">
+                    <a16:rowId xmlns:a16="http://schemas.microsoft.com/office/drawing/2014/main" val="4123546818"/>
+                  </a:ext>
+                </a:extLst>
+              </a:tr>
+              <a:tr h="370840">
+                <a:tc>
+                  <a:txBody>
+                    <a:bodyPr/>
+                    <a:lstStyle/>
+                    <a:p>
+                      <a:r>
+                        <a:rPr lang="en-US" dirty="0"/>
+                        <a:t>1000</a:t>
+                      </a:r>
+                    </a:p>
+                  </a:txBody>
+                  <a:tcPr/>
+                </a:tc>
+                <a:tc>
+                  <a:txBody>
+                    <a:bodyPr/>
+                    <a:lstStyle/>
+                    <a:p>
+                      <a:endParaRPr lang="en-US" dirty="0"/>
+                    </a:p>
+                  </a:txBody>
+                  <a:tcPr/>
+                </a:tc>
+                <a:extLst>
+                  <a:ext uri="{0D108BD9-81ED-4DB2-BD59-A6C34878D82A}">
+                    <a16:rowId xmlns:a16="http://schemas.microsoft.com/office/drawing/2014/main" val="3389735121"/>
+                  </a:ext>
+                </a:extLst>
+              </a:tr>
+            </a:tbl>
+          </a:graphicData>
+        </a:graphic>
+      </p:graphicFrame>
+      <p:sp>
+        <p:nvSpPr>
+          <p:cNvPr id="6" name="TextBox 5">
+            <a:extLst>
+              <a:ext uri="{FF2B5EF4-FFF2-40B4-BE49-F238E27FC236}">
+                <a16:creationId xmlns:a16="http://schemas.microsoft.com/office/drawing/2014/main" id="{5F236CC5-8350-46A9-81EA-68241E334F6D}"/>
+              </a:ext>
+            </a:extLst>
+          </p:cNvPr>
+          <p:cNvSpPr txBox="1"/>
+          <p:nvPr/>
+        </p:nvSpPr>
+        <p:spPr>
+          <a:xfrm>
+            <a:off x="5815780" y="1321356"/>
+            <a:ext cx="914400" cy="369332"/>
+          </a:xfrm>
+          <a:prstGeom prst="rect">
+            <a:avLst/>
+          </a:prstGeom>
+          <a:noFill/>
+        </p:spPr>
+        <p:txBody>
+          <a:bodyPr wrap="square" rtlCol="0">
+            <a:spAutoFit/>
+          </a:bodyPr>
+          <a:lstStyle/>
+          <a:p>
+            <a:r>
+              <a:rPr lang="en-US" dirty="0"/>
+              <a:t>s=0</a:t>
+            </a:r>
+          </a:p>
+        </p:txBody>
+      </p:sp>
+      <p:sp>
+        <p:nvSpPr>
+          <p:cNvPr id="8" name="TextBox 7">
+            <a:extLst>
+              <a:ext uri="{FF2B5EF4-FFF2-40B4-BE49-F238E27FC236}">
+                <a16:creationId xmlns:a16="http://schemas.microsoft.com/office/drawing/2014/main" id="{CDF96478-6153-4AAC-BCFF-08443C987F2D}"/>
+              </a:ext>
+            </a:extLst>
+          </p:cNvPr>
+          <p:cNvSpPr txBox="1"/>
+          <p:nvPr/>
+        </p:nvSpPr>
+        <p:spPr>
+          <a:xfrm>
+            <a:off x="5815780" y="4027905"/>
+            <a:ext cx="914400" cy="369332"/>
+          </a:xfrm>
+          <a:prstGeom prst="rect">
+            <a:avLst/>
+          </a:prstGeom>
+          <a:noFill/>
+        </p:spPr>
+        <p:txBody>
+          <a:bodyPr wrap="square" rtlCol="0">
+            <a:spAutoFit/>
+          </a:bodyPr>
+          <a:lstStyle/>
+          <a:p>
+            <a:r>
+              <a:rPr lang="en-US" dirty="0"/>
+              <a:t>s=-0.1</a:t>
+            </a:r>
+          </a:p>
+        </p:txBody>
+      </p:sp>
+    </p:spTree>
+    <p:extLst>
+      <p:ext uri="{BB962C8B-B14F-4D97-AF65-F5344CB8AC3E}">
+        <p14:creationId xmlns:p14="http://schemas.microsoft.com/office/powerpoint/2010/main" val="309905378"/>
       </p:ext>
     </p:extLst>
   </p:cSld>

--- a/Summary/20201014_RDM_HW_rotation_update.pptx
+++ b/Summary/20201014_RDM_HW_rotation_update.pptx
@@ -5,7 +5,7 @@
     <p:sldMasterId id="2147483648" r:id="rId1"/>
   </p:sldMasterIdLst>
   <p:notesMasterIdLst>
-    <p:notesMasterId r:id="rId13"/>
+    <p:notesMasterId r:id="rId14"/>
   </p:notesMasterIdLst>
   <p:sldIdLst>
     <p:sldId id="256" r:id="rId2"/>
@@ -19,6 +19,7 @@
     <p:sldId id="271" r:id="rId10"/>
     <p:sldId id="272" r:id="rId11"/>
     <p:sldId id="268" r:id="rId12"/>
+    <p:sldId id="273" r:id="rId13"/>
   </p:sldIdLst>
   <p:sldSz cx="12192000" cy="6858000"/>
   <p:notesSz cx="6858000" cy="9144000"/>
@@ -118,6 +119,29 @@
     </a:lvl9pPr>
   </p:defaultTextStyle>
   <p:extLst>
+    <p:ext uri="{521415D9-36F7-43E2-AB2F-B90AF26B5E84}">
+      <p14:sectionLst xmlns:p14="http://schemas.microsoft.com/office/powerpoint/2010/main">
+        <p14:section name="Default Section" id="{0CDF784F-B37D-496E-B3C2-4437BB28292B}">
+          <p14:sldIdLst>
+            <p14:sldId id="256"/>
+            <p14:sldId id="265"/>
+            <p14:sldId id="257"/>
+            <p14:sldId id="258"/>
+            <p14:sldId id="261"/>
+            <p14:sldId id="267"/>
+            <p14:sldId id="269"/>
+            <p14:sldId id="270"/>
+            <p14:sldId id="271"/>
+            <p14:sldId id="272"/>
+            <p14:sldId id="268"/>
+            <p14:sldId id="273"/>
+          </p14:sldIdLst>
+        </p14:section>
+        <p14:section name="Untitled Section" id="{B15C6CCA-227F-40CF-9695-D4AF009EAE39}">
+          <p14:sldIdLst/>
+        </p14:section>
+      </p14:sectionLst>
+    </p:ext>
     <p:ext uri="{EFAFB233-063F-42B5-8137-9DF3F51BA10A}">
       <p15:sldGuideLst xmlns:p15="http://schemas.microsoft.com/office/powerpoint/2012/main"/>
     </p:ext>
@@ -4136,13 +4160,8 @@
           <a:p>
             <a:r>
               <a:rPr lang="en-US" dirty="0"/>
-              <a:t>Results </a:t>
-            </a:r>
-            <a:r>
-              <a:rPr lang="en-US"/>
-              <a:t>(additive)</a:t>
-            </a:r>
-            <a:endParaRPr lang="en-US" dirty="0"/>
+              <a:t>Results (additive)</a:t>
+            </a:r>
           </a:p>
         </p:txBody>
       </p:sp>
@@ -4160,6 +4179,11 @@
           </p:cNvGraphicFramePr>
           <p:nvPr>
             <p:ph idx="1"/>
+            <p:extLst>
+              <p:ext uri="{D42A27DB-BD31-4B8C-83A1-F6EECF244321}">
+                <p14:modId xmlns:p14="http://schemas.microsoft.com/office/powerpoint/2010/main" val="2444827228"/>
+              </p:ext>
+            </p:extLst>
           </p:nvPr>
         </p:nvGraphicFramePr>
         <p:xfrm>
@@ -4240,7 +4264,10 @@
                     <a:bodyPr/>
                     <a:lstStyle/>
                     <a:p>
-                      <a:endParaRPr lang="en-US" dirty="0"/>
+                      <a:r>
+                        <a:rPr lang="en-US" dirty="0"/>
+                        <a:t>0.9938461733264412</a:t>
+                      </a:r>
                     </a:p>
                   </a:txBody>
                   <a:tcPr/>
@@ -4270,7 +4297,10 @@
                     <a:bodyPr/>
                     <a:lstStyle/>
                     <a:p>
-                      <a:endParaRPr lang="en-US" dirty="0"/>
+                      <a:r>
+                        <a:rPr lang="en-US" dirty="0"/>
+                        <a:t>0.9984160158722039</a:t>
+                      </a:r>
                     </a:p>
                   </a:txBody>
                   <a:tcPr/>
@@ -4300,7 +4330,10 @@
                     <a:bodyPr/>
                     <a:lstStyle/>
                     <a:p>
-                      <a:endParaRPr lang="en-US" dirty="0"/>
+                      <a:r>
+                        <a:rPr lang="en-US" dirty="0"/>
+                        <a:t>0.9964773086593296</a:t>
+                      </a:r>
                     </a:p>
                   </a:txBody>
                   <a:tcPr/>
@@ -4330,7 +4363,10 @@
                     <a:bodyPr/>
                     <a:lstStyle/>
                     <a:p>
-                      <a:endParaRPr lang="en-US" dirty="0"/>
+                      <a:r>
+                        <a:rPr lang="en-US" dirty="0"/>
+                        <a:t>0.9985191518591863</a:t>
+                      </a:r>
                     </a:p>
                   </a:txBody>
                   <a:tcPr/>
@@ -4360,7 +4396,10 @@
                     <a:bodyPr/>
                     <a:lstStyle/>
                     <a:p>
-                      <a:endParaRPr lang="en-US" dirty="0"/>
+                      <a:r>
+                        <a:rPr lang="en-US" dirty="0"/>
+                        <a:t>0.9995586107799894</a:t>
+                      </a:r>
                     </a:p>
                   </a:txBody>
                   <a:tcPr/>
@@ -4387,7 +4426,13 @@
           <p:cNvGraphicFramePr>
             <a:graphicFrameLocks/>
           </p:cNvGraphicFramePr>
-          <p:nvPr/>
+          <p:nvPr>
+            <p:extLst>
+              <p:ext uri="{D42A27DB-BD31-4B8C-83A1-F6EECF244321}">
+                <p14:modId xmlns:p14="http://schemas.microsoft.com/office/powerpoint/2010/main" val="1421727468"/>
+              </p:ext>
+            </p:extLst>
+          </p:nvPr>
         </p:nvGraphicFramePr>
         <p:xfrm>
           <a:off x="838200" y="4458474"/>
@@ -4467,7 +4512,10 @@
                     <a:bodyPr/>
                     <a:lstStyle/>
                     <a:p>
-                      <a:endParaRPr lang="en-US" dirty="0"/>
+                      <a:r>
+                        <a:rPr lang="en-US" dirty="0"/>
+                        <a:t>0.9463729562984031</a:t>
+                      </a:r>
                     </a:p>
                   </a:txBody>
                   <a:tcPr/>
@@ -4497,7 +4545,10 @@
                     <a:bodyPr/>
                     <a:lstStyle/>
                     <a:p>
-                      <a:endParaRPr lang="en-US" dirty="0"/>
+                      <a:r>
+                        <a:rPr lang="en-US" dirty="0"/>
+                        <a:t>0.9469218826896452</a:t>
+                      </a:r>
                     </a:p>
                   </a:txBody>
                   <a:tcPr/>
@@ -4527,7 +4578,10 @@
                     <a:bodyPr/>
                     <a:lstStyle/>
                     <a:p>
-                      <a:endParaRPr lang="en-US" dirty="0"/>
+                      <a:r>
+                        <a:rPr lang="en-US" dirty="0"/>
+                        <a:t>0.9436350957591704</a:t>
+                      </a:r>
                     </a:p>
                   </a:txBody>
                   <a:tcPr/>
@@ -4557,7 +4611,10 @@
                     <a:bodyPr/>
                     <a:lstStyle/>
                     <a:p>
-                      <a:endParaRPr lang="en-US" dirty="0"/>
+                      <a:r>
+                        <a:rPr lang="en-US" dirty="0"/>
+                        <a:t>0.9370409064786388</a:t>
+                      </a:r>
                     </a:p>
                   </a:txBody>
                   <a:tcPr/>
@@ -4587,7 +4644,10 @@
                     <a:bodyPr/>
                     <a:lstStyle/>
                     <a:p>
-                      <a:endParaRPr lang="en-US" dirty="0"/>
+                      <a:r>
+                        <a:rPr lang="en-US" dirty="0"/>
+                        <a:t>0.9339018120988103</a:t>
+                      </a:r>
                     </a:p>
                   </a:txBody>
                   <a:tcPr/>
@@ -4755,6 +4815,46 @@
           <a:p>
             <a:r>
               <a:rPr lang="en-US" dirty="0"/>
+              <a:t>Test should be on counts, not proportions</a:t>
+            </a:r>
+          </a:p>
+          <a:p>
+            <a:r>
+              <a:rPr lang="en-US" dirty="0"/>
+              <a:t>Look at minimum p-value</a:t>
+            </a:r>
+          </a:p>
+          <a:p>
+            <a:pPr lvl="1"/>
+            <a:r>
+              <a:rPr lang="en-US" dirty="0"/>
+              <a:t>If minimum is less than 0.5, also consider proportion that is less than 0.5</a:t>
+            </a:r>
+          </a:p>
+          <a:p>
+            <a:pPr lvl="1"/>
+            <a:r>
+              <a:rPr lang="en-US" dirty="0"/>
+              <a:t>Also include number of SNPs</a:t>
+            </a:r>
+          </a:p>
+          <a:p>
+            <a:pPr lvl="1"/>
+            <a:r>
+              <a:rPr lang="en-US" dirty="0"/>
+              <a:t>We expect fewer SNP’s when s is more deleterious</a:t>
+            </a:r>
+          </a:p>
+          <a:p>
+            <a:pPr lvl="2"/>
+            <a:r>
+              <a:rPr lang="en-US" dirty="0"/>
+              <a:t>In the case were there are very few SNP’s for highly deleterious mutations, results are more stochastic</a:t>
+            </a:r>
+          </a:p>
+          <a:p>
+            <a:r>
+              <a:rPr lang="en-US" dirty="0"/>
               <a:t>Fisher’s Exact Test for Hardy-</a:t>
             </a:r>
             <a:r>
@@ -4775,38 +4875,6 @@
             <a:r>
               <a:rPr lang="en-US" dirty="0"/>
               <a:t>Should help out multiple-hypothesis burden</a:t>
-            </a:r>
-          </a:p>
-          <a:p>
-            <a:r>
-              <a:rPr lang="en-US" dirty="0"/>
-              <a:t>Apply test for each SNP</a:t>
-            </a:r>
-          </a:p>
-          <a:p>
-            <a:r>
-              <a:rPr lang="en-US" dirty="0"/>
-              <a:t>Make </a:t>
-            </a:r>
-            <a:r>
-              <a:rPr lang="en-US" dirty="0" err="1"/>
-              <a:t>qq</a:t>
-            </a:r>
-            <a:r>
-              <a:rPr lang="en-US" dirty="0"/>
-              <a:t>-plot of p-values</a:t>
-            </a:r>
-          </a:p>
-          <a:p>
-            <a:r>
-              <a:rPr lang="en-US" dirty="0"/>
-              <a:t>Compare additive and neutral simulation (this was neutral)</a:t>
-            </a:r>
-          </a:p>
-          <a:p>
-            <a:r>
-              <a:rPr lang="en-US" dirty="0"/>
-              <a:t>Conditional on allele count, compute probability of homozygotes</a:t>
             </a:r>
           </a:p>
         </p:txBody>
@@ -4815,6 +4883,183 @@
     <p:extLst>
       <p:ext uri="{BB962C8B-B14F-4D97-AF65-F5344CB8AC3E}">
         <p14:creationId xmlns:p14="http://schemas.microsoft.com/office/powerpoint/2010/main" val="466745264"/>
+      </p:ext>
+    </p:extLst>
+  </p:cSld>
+  <p:clrMapOvr>
+    <a:masterClrMapping/>
+  </p:clrMapOvr>
+</p:sld>
+</file>
+
+<file path=ppt/slides/slide12.xml><?xml version="1.0" encoding="utf-8"?>
+<p:sld xmlns:a="http://schemas.openxmlformats.org/drawingml/2006/main" xmlns:r="http://schemas.openxmlformats.org/officeDocument/2006/relationships" xmlns:p="http://schemas.openxmlformats.org/presentationml/2006/main">
+  <p:cSld>
+    <p:spTree>
+      <p:nvGrpSpPr>
+        <p:cNvPr id="1" name=""/>
+        <p:cNvGrpSpPr/>
+        <p:nvPr/>
+      </p:nvGrpSpPr>
+      <p:grpSpPr>
+        <a:xfrm>
+          <a:off x="0" y="0"/>
+          <a:ext cx="0" cy="0"/>
+          <a:chOff x="0" y="0"/>
+          <a:chExt cx="0" cy="0"/>
+        </a:xfrm>
+      </p:grpSpPr>
+      <p:sp>
+        <p:nvSpPr>
+          <p:cNvPr id="2" name="Title 1">
+            <a:extLst>
+              <a:ext uri="{FF2B5EF4-FFF2-40B4-BE49-F238E27FC236}">
+                <a16:creationId xmlns:a16="http://schemas.microsoft.com/office/drawing/2014/main" id="{1DA4FD9C-0575-4672-BDCF-805449EFAC7C}"/>
+              </a:ext>
+            </a:extLst>
+          </p:cNvPr>
+          <p:cNvSpPr>
+            <a:spLocks noGrp="1"/>
+          </p:cNvSpPr>
+          <p:nvPr>
+            <p:ph type="title"/>
+          </p:nvPr>
+        </p:nvSpPr>
+        <p:spPr/>
+        <p:txBody>
+          <a:bodyPr/>
+          <a:lstStyle/>
+          <a:p>
+            <a:r>
+              <a:rPr lang="en-US" dirty="0"/>
+              <a:t>//TODO cont’d</a:t>
+            </a:r>
+          </a:p>
+        </p:txBody>
+      </p:sp>
+      <p:sp>
+        <p:nvSpPr>
+          <p:cNvPr id="3" name="Content Placeholder 2">
+            <a:extLst>
+              <a:ext uri="{FF2B5EF4-FFF2-40B4-BE49-F238E27FC236}">
+                <a16:creationId xmlns:a16="http://schemas.microsoft.com/office/drawing/2014/main" id="{B7017510-3A51-4778-BB7F-0F91AE0D6F96}"/>
+              </a:ext>
+            </a:extLst>
+          </p:cNvPr>
+          <p:cNvSpPr>
+            <a:spLocks noGrp="1"/>
+          </p:cNvSpPr>
+          <p:nvPr>
+            <p:ph idx="1"/>
+          </p:nvPr>
+        </p:nvSpPr>
+        <p:spPr/>
+        <p:txBody>
+          <a:bodyPr>
+            <a:normAutofit fontScale="70000" lnSpcReduction="20000"/>
+          </a:bodyPr>
+          <a:lstStyle/>
+          <a:p>
+            <a:r>
+              <a:rPr lang="en-US" dirty="0"/>
+              <a:t>Conditional on allele count, compute probability of homozygotes</a:t>
+            </a:r>
+          </a:p>
+          <a:p>
+            <a:r>
+              <a:rPr lang="en-US" dirty="0"/>
+              <a:t>Make </a:t>
+            </a:r>
+            <a:r>
+              <a:rPr lang="en-US" dirty="0" err="1"/>
+              <a:t>qq</a:t>
+            </a:r>
+            <a:r>
+              <a:rPr lang="en-US" dirty="0"/>
+              <a:t>-plot of p-values</a:t>
+            </a:r>
+          </a:p>
+          <a:p>
+            <a:pPr lvl="1"/>
+            <a:r>
+              <a:rPr lang="en-US" dirty="0"/>
+              <a:t>Make </a:t>
+            </a:r>
+            <a:r>
+              <a:rPr lang="en-US" dirty="0" err="1"/>
+              <a:t>qq</a:t>
+            </a:r>
+            <a:r>
+              <a:rPr lang="en-US" dirty="0"/>
+              <a:t>-plot comparing n SNP’s with</a:t>
+            </a:r>
+          </a:p>
+          <a:p>
+            <a:pPr lvl="1"/>
+            <a:r>
+              <a:rPr lang="en-US" dirty="0"/>
+              <a:t>Y-axis is vector of –log (p-values) sorted in ascending order of p-value</a:t>
+            </a:r>
+          </a:p>
+          <a:p>
+            <a:pPr lvl="1"/>
+            <a:r>
+              <a:rPr lang="en-US" dirty="0"/>
+              <a:t>X-axis is expectation under null. E.g., -log(uniform distribution of p from 0 to 1), except partitions are based on number of SNPs</a:t>
+            </a:r>
+          </a:p>
+          <a:p>
+            <a:r>
+              <a:rPr lang="en-US" dirty="0"/>
+              <a:t>In the case where HW departure is small, the probability of identifying particular SNP’s is extremely low since method is underpowered.</a:t>
+            </a:r>
+          </a:p>
+          <a:p>
+            <a:r>
+              <a:rPr lang="en-US" dirty="0"/>
+              <a:t>Instead, given that we are underpowered, is there any evidence that the p-values in aggregate depart from expectation under the null.</a:t>
+            </a:r>
+          </a:p>
+          <a:p>
+            <a:r>
+              <a:rPr lang="en-US" dirty="0"/>
+              <a:t>Later on we can apply Bonferroni or </a:t>
+            </a:r>
+            <a:r>
+              <a:rPr lang="en-US" dirty="0" err="1"/>
+              <a:t>Benjamini</a:t>
+            </a:r>
+            <a:r>
+              <a:rPr lang="en-US" dirty="0"/>
+              <a:t>-Hochberg or some other method of controlling FDR, however, due to low power, our current primary concern is low sensitivity.</a:t>
+            </a:r>
+          </a:p>
+          <a:p>
+            <a:r>
+              <a:rPr lang="en-US" dirty="0"/>
+              <a:t>Google Fisher’s Method of combined p-values</a:t>
+            </a:r>
+          </a:p>
+          <a:p>
+            <a:pPr lvl="1"/>
+            <a:r>
+              <a:rPr lang="en-US" dirty="0"/>
+              <a:t>Generally, look into methods for combining p-values.</a:t>
+            </a:r>
+          </a:p>
+          <a:p>
+            <a:pPr lvl="1"/>
+            <a:r>
+              <a:rPr lang="en-US" dirty="0"/>
+              <a:t>Sum of log of p-values should be chi^2 distributed</a:t>
+            </a:r>
+          </a:p>
+        </p:txBody>
+      </p:sp>
+    </p:spTree>
+    <p:extLst>
+      <p:ext uri="{BB962C8B-B14F-4D97-AF65-F5344CB8AC3E}">
+        <p14:creationId xmlns:p14="http://schemas.microsoft.com/office/powerpoint/2010/main" val="2373352003"/>
       </p:ext>
     </p:extLst>
   </p:cSld>
@@ -5159,7 +5404,7 @@
         <p:spPr/>
         <p:txBody>
           <a:bodyPr>
-            <a:normAutofit fontScale="92500" lnSpcReduction="20000"/>
+            <a:normAutofit fontScale="85000" lnSpcReduction="20000"/>
           </a:bodyPr>
           <a:lstStyle/>
           <a:p>
@@ -5234,6 +5479,16 @@
                 <a:ea typeface="Yu Gothic" panose="020B0400000000000000" pitchFamily="34" charset="-128"/>
               </a:rPr>
               <a:t>Recessive deleterious allele, dominance factor of 0.0, so purely recessive</a:t>
+            </a:r>
+          </a:p>
+          <a:p>
+            <a:pPr lvl="1"/>
+            <a:r>
+              <a:rPr lang="en-US" dirty="0">
+                <a:latin typeface="Yu Gothic" panose="020B0400000000000000" pitchFamily="34" charset="-128"/>
+                <a:ea typeface="Yu Gothic" panose="020B0400000000000000" pitchFamily="34" charset="-128"/>
+              </a:rPr>
+              <a:t>Additive deleterious allele, dominance factor of 0.5, so additive</a:t>
             </a:r>
           </a:p>
           <a:p>
@@ -5345,7 +5600,7 @@
         <p:spPr/>
         <p:txBody>
           <a:bodyPr>
-            <a:normAutofit lnSpcReduction="10000"/>
+            <a:normAutofit/>
           </a:bodyPr>
           <a:lstStyle/>
           <a:p>
@@ -5392,7 +5647,7 @@
                 <a:latin typeface="Yu Gothic" panose="020B0400000000000000" pitchFamily="34" charset="-128"/>
                 <a:ea typeface="Yu Gothic" panose="020B0400000000000000" pitchFamily="34" charset="-128"/>
               </a:rPr>
-              <a:t>RDM has dominance of 0 and s of -1.</a:t>
+              <a:t>RDM has dominance of 0 and s of {0, -0.1, -0.01, -0.001}.</a:t>
             </a:r>
           </a:p>
           <a:p>
@@ -5401,37 +5656,16 @@
                 <a:latin typeface="Yu Gothic" panose="020B0400000000000000" pitchFamily="34" charset="-128"/>
                 <a:ea typeface="Yu Gothic" panose="020B0400000000000000" pitchFamily="34" charset="-128"/>
               </a:rPr>
-              <a:t>For each SNP</a:t>
-            </a:r>
-          </a:p>
-          <a:p>
-            <a:pPr lvl="1"/>
+              <a:t>ADM has dominance of 0.5 and s of {0, -0.1, -0.01, -0.001}</a:t>
+            </a:r>
+          </a:p>
+          <a:p>
             <a:r>
               <a:rPr lang="en-US" dirty="0">
                 <a:latin typeface="Yu Gothic" panose="020B0400000000000000" pitchFamily="34" charset="-128"/>
                 <a:ea typeface="Yu Gothic" panose="020B0400000000000000" pitchFamily="34" charset="-128"/>
               </a:rPr>
-              <a:t>Count 0|0 homozygotes, heterozygotes, 1|1 homozygotes</a:t>
-            </a:r>
-          </a:p>
-          <a:p>
-            <a:pPr lvl="1"/>
-            <a:r>
-              <a:rPr lang="en-US" dirty="0">
-                <a:latin typeface="Yu Gothic" panose="020B0400000000000000" pitchFamily="34" charset="-128"/>
-                <a:ea typeface="Yu Gothic" panose="020B0400000000000000" pitchFamily="34" charset="-128"/>
-              </a:rPr>
-              <a:t>Compute allele frequency and genotype frequency</a:t>
-            </a:r>
-          </a:p>
-          <a:p>
-            <a:pPr lvl="1"/>
-            <a:r>
-              <a:rPr lang="en-US" dirty="0">
-                <a:latin typeface="Yu Gothic" panose="020B0400000000000000" pitchFamily="34" charset="-128"/>
-                <a:ea typeface="Yu Gothic" panose="020B0400000000000000" pitchFamily="34" charset="-128"/>
-              </a:rPr>
-              <a:t>Compute expected genotype frequency</a:t>
+              <a:t>On per-SNP basis</a:t>
             </a:r>
           </a:p>
           <a:p>
@@ -5529,6 +5763,12 @@
           <a:p>
             <a:r>
               <a:rPr lang="en-US" dirty="0"/>
+              <a:t>Working Pipeline</a:t>
+            </a:r>
+          </a:p>
+          <a:p>
+            <a:r>
+              <a:rPr lang="en-US" dirty="0"/>
               <a:t>Simulations of small size, but large number of segments</a:t>
             </a:r>
           </a:p>
@@ -5543,6 +5783,12 @@
             <a:r>
               <a:rPr lang="en-US" dirty="0"/>
               <a:t>s = {0, -0.1, -0.01, -0.001}</a:t>
+            </a:r>
+          </a:p>
+          <a:p>
+            <a:r>
+              <a:rPr lang="en-US" dirty="0"/>
+              <a:t>Purely recessive and additive mutations</a:t>
             </a:r>
           </a:p>
           <a:p>
@@ -5651,7 +5897,7 @@
             <p:ph idx="1"/>
             <p:extLst>
               <p:ext uri="{D42A27DB-BD31-4B8C-83A1-F6EECF244321}">
-                <p14:modId xmlns:p14="http://schemas.microsoft.com/office/powerpoint/2010/main" val="566439424"/>
+                <p14:modId xmlns:p14="http://schemas.microsoft.com/office/powerpoint/2010/main" val="608023212"/>
               </p:ext>
             </p:extLst>
           </p:nvPr>
@@ -5734,7 +5980,10 @@
                     <a:bodyPr/>
                     <a:lstStyle/>
                     <a:p>
-                      <a:endParaRPr lang="en-US" dirty="0"/>
+                      <a:r>
+                        <a:rPr lang="en-US" dirty="0"/>
+                        <a:t>0.9179952386574939</a:t>
+                      </a:r>
                     </a:p>
                   </a:txBody>
                   <a:tcPr/>
@@ -5764,7 +6013,10 @@
                     <a:bodyPr/>
                     <a:lstStyle/>
                     <a:p>
-                      <a:endParaRPr lang="en-US" dirty="0"/>
+                      <a:r>
+                        <a:rPr lang="en-US" dirty="0"/>
+                        <a:t>0.8937451684660095</a:t>
+                      </a:r>
                     </a:p>
                   </a:txBody>
                   <a:tcPr/>
@@ -5794,7 +6046,10 @@
                     <a:bodyPr/>
                     <a:lstStyle/>
                     <a:p>
-                      <a:endParaRPr lang="en-US" dirty="0"/>
+                      <a:r>
+                        <a:rPr lang="en-US" dirty="0"/>
+                        <a:t>0.8034414131075934</a:t>
+                      </a:r>
                     </a:p>
                   </a:txBody>
                   <a:tcPr/>
@@ -5824,7 +6079,10 @@
                     <a:bodyPr/>
                     <a:lstStyle/>
                     <a:p>
-                      <a:endParaRPr lang="en-US" dirty="0"/>
+                      <a:r>
+                        <a:rPr lang="en-US" dirty="0"/>
+                        <a:t>0.8773878334971131</a:t>
+                      </a:r>
                     </a:p>
                   </a:txBody>
                   <a:tcPr/>
@@ -5854,7 +6112,10 @@
                     <a:bodyPr/>
                     <a:lstStyle/>
                     <a:p>
-                      <a:endParaRPr lang="en-US" dirty="0"/>
+                      <a:r>
+                        <a:rPr lang="en-US" dirty="0"/>
+                        <a:t>0.8720676517216415</a:t>
+                      </a:r>
                     </a:p>
                   </a:txBody>
                   <a:tcPr/>
@@ -5884,7 +6145,7 @@
           <p:nvPr>
             <p:extLst>
               <p:ext uri="{D42A27DB-BD31-4B8C-83A1-F6EECF244321}">
-                <p14:modId xmlns:p14="http://schemas.microsoft.com/office/powerpoint/2010/main" val="3878577755"/>
+                <p14:modId xmlns:p14="http://schemas.microsoft.com/office/powerpoint/2010/main" val="3324358107"/>
               </p:ext>
             </p:extLst>
           </p:nvPr>
@@ -5967,7 +6228,10 @@
                     <a:bodyPr/>
                     <a:lstStyle/>
                     <a:p>
-                      <a:endParaRPr lang="en-US" dirty="0"/>
+                      <a:r>
+                        <a:rPr lang="en-US" dirty="0"/>
+                        <a:t>0.9949207791288696</a:t>
+                      </a:r>
                     </a:p>
                   </a:txBody>
                   <a:tcPr/>
@@ -5997,7 +6261,10 @@
                     <a:bodyPr/>
                     <a:lstStyle/>
                     <a:p>
-                      <a:endParaRPr lang="en-US" dirty="0"/>
+                      <a:r>
+                        <a:rPr lang="en-US" dirty="0"/>
+                        <a:t>0.9960024863666304</a:t>
+                      </a:r>
                     </a:p>
                   </a:txBody>
                   <a:tcPr/>
@@ -6027,7 +6294,10 @@
                     <a:bodyPr/>
                     <a:lstStyle/>
                     <a:p>
-                      <a:endParaRPr lang="en-US" dirty="0"/>
+                      <a:r>
+                        <a:rPr lang="en-US" dirty="0"/>
+                        <a:t>0.9986176351667215</a:t>
+                      </a:r>
                     </a:p>
                   </a:txBody>
                   <a:tcPr/>
@@ -6057,7 +6327,10 @@
                     <a:bodyPr/>
                     <a:lstStyle/>
                     <a:p>
-                      <a:endParaRPr lang="en-US" dirty="0"/>
+                      <a:r>
+                        <a:rPr lang="en-US" dirty="0"/>
+                        <a:t>0.9992201381895828</a:t>
+                      </a:r>
                     </a:p>
                   </a:txBody>
                   <a:tcPr/>
@@ -6087,7 +6360,10 @@
                     <a:bodyPr/>
                     <a:lstStyle/>
                     <a:p>
-                      <a:endParaRPr lang="en-US" dirty="0"/>
+                      <a:r>
+                        <a:rPr lang="en-US" dirty="0"/>
+                        <a:t>0.9993556948001157</a:t>
+                      </a:r>
                     </a:p>
                   </a:txBody>
                   <a:tcPr/>
@@ -6244,6 +6520,11 @@
           </p:cNvGraphicFramePr>
           <p:nvPr>
             <p:ph idx="1"/>
+            <p:extLst>
+              <p:ext uri="{D42A27DB-BD31-4B8C-83A1-F6EECF244321}">
+                <p14:modId xmlns:p14="http://schemas.microsoft.com/office/powerpoint/2010/main" val="2954285439"/>
+              </p:ext>
+            </p:extLst>
           </p:nvPr>
         </p:nvGraphicFramePr>
         <p:xfrm>
@@ -6324,7 +6605,10 @@
                     <a:bodyPr/>
                     <a:lstStyle/>
                     <a:p>
-                      <a:endParaRPr lang="en-US" dirty="0"/>
+                      <a:r>
+                        <a:rPr lang="en-US" dirty="0"/>
+                        <a:t>0.9938461733264412</a:t>
+                      </a:r>
                     </a:p>
                   </a:txBody>
                   <a:tcPr/>
@@ -6354,7 +6638,10 @@
                     <a:bodyPr/>
                     <a:lstStyle/>
                     <a:p>
-                      <a:endParaRPr lang="en-US" dirty="0"/>
+                      <a:r>
+                        <a:rPr lang="en-US" dirty="0"/>
+                        <a:t>0.9943835890365641</a:t>
+                      </a:r>
                     </a:p>
                   </a:txBody>
                   <a:tcPr/>
@@ -6384,7 +6671,10 @@
                     <a:bodyPr/>
                     <a:lstStyle/>
                     <a:p>
-                      <a:endParaRPr lang="en-US" dirty="0"/>
+                      <a:r>
+                        <a:rPr lang="en-US" dirty="0"/>
+                        <a:t>0.9962264195807677</a:t>
+                      </a:r>
                     </a:p>
                   </a:txBody>
                   <a:tcPr/>
@@ -6414,7 +6704,10 @@
                     <a:bodyPr/>
                     <a:lstStyle/>
                     <a:p>
-                      <a:endParaRPr lang="en-US" dirty="0"/>
+                      <a:r>
+                        <a:rPr lang="en-US" dirty="0"/>
+                        <a:t>0.9976471073033142</a:t>
+                      </a:r>
                     </a:p>
                   </a:txBody>
                   <a:tcPr/>
@@ -6444,7 +6737,10 @@
                     <a:bodyPr/>
                     <a:lstStyle/>
                     <a:p>
-                      <a:endParaRPr lang="en-US" dirty="0"/>
+                      <a:r>
+                        <a:rPr lang="en-US" dirty="0"/>
+                        <a:t>0.996691257812529</a:t>
+                      </a:r>
                     </a:p>
                   </a:txBody>
                   <a:tcPr/>
@@ -6471,7 +6767,13 @@
           <p:cNvGraphicFramePr>
             <a:graphicFrameLocks/>
           </p:cNvGraphicFramePr>
-          <p:nvPr/>
+          <p:nvPr>
+            <p:extLst>
+              <p:ext uri="{D42A27DB-BD31-4B8C-83A1-F6EECF244321}">
+                <p14:modId xmlns:p14="http://schemas.microsoft.com/office/powerpoint/2010/main" val="2211676153"/>
+              </p:ext>
+            </p:extLst>
+          </p:nvPr>
         </p:nvGraphicFramePr>
         <p:xfrm>
           <a:off x="838200" y="4458474"/>
@@ -6551,7 +6853,10 @@
                     <a:bodyPr/>
                     <a:lstStyle/>
                     <a:p>
-                      <a:endParaRPr lang="en-US" dirty="0"/>
+                      <a:r>
+                        <a:rPr lang="en-US" dirty="0"/>
+                        <a:t>0.943626929085812</a:t>
+                      </a:r>
                     </a:p>
                   </a:txBody>
                   <a:tcPr/>
@@ -6581,7 +6886,10 @@
                     <a:bodyPr/>
                     <a:lstStyle/>
                     <a:p>
-                      <a:endParaRPr lang="en-US" dirty="0"/>
+                      <a:r>
+                        <a:rPr lang="en-US" dirty="0"/>
+                        <a:t>0.9352733424417137</a:t>
+                      </a:r>
                     </a:p>
                   </a:txBody>
                   <a:tcPr/>
@@ -6611,7 +6919,10 @@
                     <a:bodyPr/>
                     <a:lstStyle/>
                     <a:p>
-                      <a:endParaRPr lang="en-US" dirty="0"/>
+                      <a:r>
+                        <a:rPr lang="en-US" dirty="0"/>
+                        <a:t>0.9546490424579723</a:t>
+                      </a:r>
                     </a:p>
                   </a:txBody>
                   <a:tcPr/>
@@ -6641,7 +6952,10 @@
                     <a:bodyPr/>
                     <a:lstStyle/>
                     <a:p>
-                      <a:endParaRPr lang="en-US" dirty="0"/>
+                      <a:r>
+                        <a:rPr lang="en-US" dirty="0"/>
+                        <a:t>0.9449818958688531</a:t>
+                      </a:r>
                     </a:p>
                   </a:txBody>
                   <a:tcPr/>
@@ -6671,7 +6985,10 @@
                     <a:bodyPr/>
                     <a:lstStyle/>
                     <a:p>
-                      <a:endParaRPr lang="en-US" dirty="0"/>
+                      <a:r>
+                        <a:rPr lang="en-US" dirty="0"/>
+                        <a:t>0.9455385643827344</a:t>
+                      </a:r>
                     </a:p>
                   </a:txBody>
                   <a:tcPr/>
@@ -6828,6 +7145,11 @@
           </p:cNvGraphicFramePr>
           <p:nvPr>
             <p:ph idx="1"/>
+            <p:extLst>
+              <p:ext uri="{D42A27DB-BD31-4B8C-83A1-F6EECF244321}">
+                <p14:modId xmlns:p14="http://schemas.microsoft.com/office/powerpoint/2010/main" val="4222616725"/>
+              </p:ext>
+            </p:extLst>
           </p:nvPr>
         </p:nvGraphicFramePr>
         <p:xfrm>
@@ -6908,7 +7230,10 @@
                     <a:bodyPr/>
                     <a:lstStyle/>
                     <a:p>
-                      <a:endParaRPr lang="en-US" dirty="0"/>
+                      <a:r>
+                        <a:rPr lang="en-US" dirty="0"/>
+                        <a:t>0.9179952386574939</a:t>
+                      </a:r>
                     </a:p>
                   </a:txBody>
                   <a:tcPr/>
@@ -6938,7 +7263,10 @@
                     <a:bodyPr/>
                     <a:lstStyle/>
                     <a:p>
-                      <a:endParaRPr lang="en-US" dirty="0"/>
+                      <a:r>
+                        <a:rPr lang="en-US" dirty="0"/>
+                        <a:t>0.8937451684660095</a:t>
+                      </a:r>
                     </a:p>
                   </a:txBody>
                   <a:tcPr/>
@@ -6968,7 +7296,10 @@
                     <a:bodyPr/>
                     <a:lstStyle/>
                     <a:p>
-                      <a:endParaRPr lang="en-US" dirty="0"/>
+                      <a:r>
+                        <a:rPr lang="en-US" dirty="0"/>
+                        <a:t>0.8034414131075934</a:t>
+                      </a:r>
                     </a:p>
                   </a:txBody>
                   <a:tcPr/>
@@ -6998,7 +7329,10 @@
                     <a:bodyPr/>
                     <a:lstStyle/>
                     <a:p>
-                      <a:endParaRPr lang="en-US" dirty="0"/>
+                      <a:r>
+                        <a:rPr lang="en-US" dirty="0"/>
+                        <a:t>0.8773878334971131</a:t>
+                      </a:r>
                     </a:p>
                   </a:txBody>
                   <a:tcPr/>
@@ -7028,7 +7362,10 @@
                     <a:bodyPr/>
                     <a:lstStyle/>
                     <a:p>
-                      <a:endParaRPr lang="en-US" dirty="0"/>
+                      <a:r>
+                        <a:rPr lang="en-US" dirty="0"/>
+                        <a:t>0.8720676517216415</a:t>
+                      </a:r>
                     </a:p>
                   </a:txBody>
                   <a:tcPr/>
@@ -7055,7 +7392,13 @@
           <p:cNvGraphicFramePr>
             <a:graphicFrameLocks/>
           </p:cNvGraphicFramePr>
-          <p:nvPr/>
+          <p:nvPr>
+            <p:extLst>
+              <p:ext uri="{D42A27DB-BD31-4B8C-83A1-F6EECF244321}">
+                <p14:modId xmlns:p14="http://schemas.microsoft.com/office/powerpoint/2010/main" val="2793280301"/>
+              </p:ext>
+            </p:extLst>
+          </p:nvPr>
         </p:nvGraphicFramePr>
         <p:xfrm>
           <a:off x="838200" y="4458474"/>
@@ -7135,7 +7478,10 @@
                     <a:bodyPr/>
                     <a:lstStyle/>
                     <a:p>
-                      <a:endParaRPr lang="en-US" dirty="0"/>
+                      <a:r>
+                        <a:rPr lang="en-US" dirty="0"/>
+                        <a:t>0.998615917176126</a:t>
+                      </a:r>
                     </a:p>
                   </a:txBody>
                   <a:tcPr/>
@@ -7165,7 +7511,10 @@
                     <a:bodyPr/>
                     <a:lstStyle/>
                     <a:p>
-                      <a:endParaRPr lang="en-US" dirty="0"/>
+                      <a:r>
+                        <a:rPr lang="en-US" dirty="0"/>
+                        <a:t>0.9998840542369813</a:t>
+                      </a:r>
                     </a:p>
                   </a:txBody>
                   <a:tcPr/>
@@ -7195,7 +7544,10 @@
                     <a:bodyPr/>
                     <a:lstStyle/>
                     <a:p>
-                      <a:endParaRPr lang="en-US" dirty="0"/>
+                      <a:r>
+                        <a:rPr lang="en-US" dirty="0"/>
+                        <a:t>0.999948986098723</a:t>
+                      </a:r>
                     </a:p>
                   </a:txBody>
                   <a:tcPr/>
@@ -7225,7 +7577,10 @@
                     <a:bodyPr/>
                     <a:lstStyle/>
                     <a:p>
-                      <a:endParaRPr lang="en-US" dirty="0"/>
+                      <a:r>
+                        <a:rPr lang="en-US" dirty="0"/>
+                        <a:t>0.9999897833083856</a:t>
+                      </a:r>
                     </a:p>
                   </a:txBody>
                   <a:tcPr/>
@@ -7255,7 +7610,10 @@
                     <a:bodyPr/>
                     <a:lstStyle/>
                     <a:p>
-                      <a:endParaRPr lang="en-US" dirty="0"/>
+                      <a:r>
+                        <a:rPr lang="en-US" dirty="0"/>
+                        <a:t>0.9999958103101735</a:t>
+                      </a:r>
                     </a:p>
                   </a:txBody>
                   <a:tcPr/>
